--- a/08-Polymorphism.pptx
+++ b/08-Polymorphism.pptx
@@ -11,7 +11,7 @@
     <p:handoutMasterId r:id="rId23"/>
   </p:handoutMasterIdLst>
   <p:sldIdLst>
-    <p:sldId id="776" r:id="rId5"/>
+    <p:sldId id="1560" r:id="rId5"/>
     <p:sldId id="788" r:id="rId6"/>
     <p:sldId id="797" r:id="rId7"/>
     <p:sldId id="798" r:id="rId8"/>
@@ -134,7 +134,7 @@
       <p14:sectionLst xmlns:p14="http://schemas.microsoft.com/office/powerpoint/2010/main">
         <p14:section name="Title slide" id="{DE8BF54A-1323-4403-83F8-D7B5510C9D53}">
           <p14:sldIdLst>
-            <p14:sldId id="776"/>
+            <p14:sldId id="1560"/>
             <p14:sldId id="788"/>
             <p14:sldId id="797"/>
             <p14:sldId id="798"/>
@@ -6045,7 +6045,7 @@
           <a:p>
             <a:fld id="{86D088FE-3E68-47FE-8BA4-634CD34BABBC}" type="datetimeFigureOut">
               <a:rPr lang="en-GB" smtClean="0"/>
-              <a:t>04/12/2025</a:t>
+              <a:t>05/12/2025</a:t>
             </a:fld>
             <a:endParaRPr lang="en-GB"/>
           </a:p>
@@ -6216,7 +6216,7 @@
             <a:fld id="{1D6B66C6-1E92-0F4E-A300-9D4ED1F0C23F}" type="datetimeFigureOut">
               <a:rPr lang="en-GB" smtClean="0"/>
               <a:pPr/>
-              <a:t>04/12/2025</a:t>
+              <a:t>05/12/2025</a:t>
             </a:fld>
             <a:endParaRPr lang="en-GB"/>
           </a:p>
@@ -6534,7 +6534,7 @@
           <a:bodyPr/>
           <a:lstStyle/>
           <a:p>
-            <a:endParaRPr lang="en-IN"/>
+            <a:endParaRPr lang="en-US"/>
           </a:p>
         </p:txBody>
       </p:sp>
@@ -6545,7 +6545,7 @@
             <a:spLocks noGrp="1"/>
           </p:cNvSpPr>
           <p:nvPr>
-            <p:ph type="sldNum" sz="quarter" idx="10"/>
+            <p:ph type="sldNum" sz="quarter" idx="5"/>
           </p:nvPr>
         </p:nvSpPr>
         <p:spPr/>
@@ -6553,9 +6553,8 @@
           <a:bodyPr/>
           <a:lstStyle/>
           <a:p>
-            <a:fld id="{548901C6-1DA1-FB44-ABEE-06A0FEB7738E}" type="slidenum">
+            <a:fld id="{35BE1F5F-BEC2-48D5-A890-C07C79853E26}" type="slidenum">
               <a:rPr lang="en-GB" smtClean="0"/>
-              <a:pPr/>
               <a:t>1</a:t>
             </a:fld>
             <a:endParaRPr lang="en-GB"/>
@@ -6565,7 +6564,7 @@
     </p:spTree>
     <p:extLst>
       <p:ext uri="{BB962C8B-B14F-4D97-AF65-F5344CB8AC3E}">
-        <p14:creationId xmlns:p14="http://schemas.microsoft.com/office/powerpoint/2010/main" val="110649545"/>
+        <p14:creationId xmlns:p14="http://schemas.microsoft.com/office/powerpoint/2010/main" val="2546931957"/>
       </p:ext>
     </p:extLst>
   </p:cSld>
@@ -28895,6 +28894,245 @@
 </p:sldLayout>
 </file>
 
+<file path=ppt/slideLayouts/slideLayout38.xml><?xml version="1.0" encoding="utf-8"?>
+<p:sldLayout xmlns:a="http://schemas.openxmlformats.org/drawingml/2006/main" xmlns:r="http://schemas.openxmlformats.org/officeDocument/2006/relationships" xmlns:p="http://schemas.openxmlformats.org/presentationml/2006/main" type="title">
+  <p:cSld name="Purple_divider">
+    <p:bg>
+      <p:bgPr>
+        <a:blipFill dpi="0" rotWithShape="1">
+          <a:blip r:embed="rId2">
+            <a:lum/>
+          </a:blip>
+          <a:srcRect/>
+          <a:stretch>
+            <a:fillRect/>
+          </a:stretch>
+        </a:blipFill>
+        <a:effectLst/>
+      </p:bgPr>
+    </p:bg>
+    <p:spTree>
+      <p:nvGrpSpPr>
+        <p:cNvPr id="1" name=""/>
+        <p:cNvGrpSpPr/>
+        <p:nvPr/>
+      </p:nvGrpSpPr>
+      <p:grpSpPr>
+        <a:xfrm>
+          <a:off x="0" y="0"/>
+          <a:ext cx="0" cy="0"/>
+          <a:chOff x="0" y="0"/>
+          <a:chExt cx="0" cy="0"/>
+        </a:xfrm>
+      </p:grpSpPr>
+      <p:pic>
+        <p:nvPicPr>
+          <p:cNvPr id="5" name="Picture 4">
+            <a:extLst>
+              <a:ext uri="{FF2B5EF4-FFF2-40B4-BE49-F238E27FC236}">
+                <a16:creationId xmlns:a16="http://schemas.microsoft.com/office/drawing/2014/main" id="{AB0B8D50-2C63-2F2E-599F-E921BF1F757F}"/>
+              </a:ext>
+              <a:ext uri="{C183D7F6-B498-43B3-948B-1728B52AA6E4}">
+                <adec:decorative xmlns:adec="http://schemas.microsoft.com/office/drawing/2017/decorative" val="1"/>
+              </a:ext>
+            </a:extLst>
+          </p:cNvPr>
+          <p:cNvPicPr>
+            <a:picLocks noChangeAspect="1"/>
+          </p:cNvPicPr>
+          <p:nvPr userDrawn="1"/>
+        </p:nvPicPr>
+        <p:blipFill>
+          <a:blip r:embed="rId3"/>
+          <a:stretch>
+            <a:fillRect/>
+          </a:stretch>
+        </p:blipFill>
+        <p:spPr>
+          <a:xfrm>
+            <a:off x="0" y="898802"/>
+            <a:ext cx="8062294" cy="1684800"/>
+          </a:xfrm>
+          <a:prstGeom prst="rect">
+            <a:avLst/>
+          </a:prstGeom>
+        </p:spPr>
+      </p:pic>
+      <p:sp>
+        <p:nvSpPr>
+          <p:cNvPr id="2" name="Title 1">
+            <a:extLst>
+              <a:ext uri="{FF2B5EF4-FFF2-40B4-BE49-F238E27FC236}">
+                <a16:creationId xmlns:a16="http://schemas.microsoft.com/office/drawing/2014/main" id="{909D855A-1A49-ADBE-89C8-65ECAFD2AAB3}"/>
+              </a:ext>
+            </a:extLst>
+          </p:cNvPr>
+          <p:cNvSpPr>
+            <a:spLocks noGrp="1"/>
+          </p:cNvSpPr>
+          <p:nvPr>
+            <p:ph type="ctrTitle"/>
+          </p:nvPr>
+        </p:nvSpPr>
+        <p:spPr>
+          <a:xfrm>
+            <a:off x="473406" y="1118152"/>
+            <a:ext cx="6777996" cy="1247916"/>
+          </a:xfrm>
+          <a:prstGeom prst="rect">
+            <a:avLst/>
+          </a:prstGeom>
+          <a:ln>
+            <a:noFill/>
+          </a:ln>
+        </p:spPr>
+        <p:txBody>
+          <a:bodyPr lIns="0" rIns="0" anchor="ctr"/>
+          <a:lstStyle>
+            <a:lvl1pPr algn="l">
+              <a:lnSpc>
+                <a:spcPct val="100000"/>
+              </a:lnSpc>
+              <a:defRPr sz="3600">
+                <a:solidFill>
+                  <a:schemeClr val="tx1"/>
+                </a:solidFill>
+              </a:defRPr>
+            </a:lvl1pPr>
+          </a:lstStyle>
+          <a:p>
+            <a:endParaRPr lang="en-GB"/>
+          </a:p>
+        </p:txBody>
+      </p:sp>
+      <p:sp>
+        <p:nvSpPr>
+          <p:cNvPr id="3" name="Subtitle 2">
+            <a:extLst>
+              <a:ext uri="{FF2B5EF4-FFF2-40B4-BE49-F238E27FC236}">
+                <a16:creationId xmlns:a16="http://schemas.microsoft.com/office/drawing/2014/main" id="{994AF8D4-DACD-9AF9-364C-02C474BC62A5}"/>
+              </a:ext>
+            </a:extLst>
+          </p:cNvPr>
+          <p:cNvSpPr>
+            <a:spLocks noGrp="1"/>
+          </p:cNvSpPr>
+          <p:nvPr>
+            <p:ph type="subTitle" idx="1"/>
+          </p:nvPr>
+        </p:nvSpPr>
+        <p:spPr>
+          <a:xfrm>
+            <a:off x="473406" y="2902689"/>
+            <a:ext cx="6150678" cy="863600"/>
+          </a:xfrm>
+          <a:prstGeom prst="rect">
+            <a:avLst/>
+          </a:prstGeom>
+          <a:ln>
+            <a:noFill/>
+          </a:ln>
+        </p:spPr>
+        <p:txBody>
+          <a:bodyPr lIns="0" rIns="0" anchor="t"/>
+          <a:lstStyle>
+            <a:lvl1pPr marL="0" indent="0" algn="l">
+              <a:buNone/>
+              <a:defRPr sz="1800">
+                <a:solidFill>
+                  <a:schemeClr val="tx1"/>
+                </a:solidFill>
+              </a:defRPr>
+            </a:lvl1pPr>
+            <a:lvl2pPr marL="457200" indent="0" algn="ctr">
+              <a:buNone/>
+              <a:defRPr sz="2000"/>
+            </a:lvl2pPr>
+            <a:lvl3pPr marL="914400" indent="0" algn="ctr">
+              <a:buNone/>
+              <a:defRPr sz="1800"/>
+            </a:lvl3pPr>
+            <a:lvl4pPr marL="1371600" indent="0" algn="ctr">
+              <a:buNone/>
+              <a:defRPr sz="1600"/>
+            </a:lvl4pPr>
+            <a:lvl5pPr marL="1828800" indent="0" algn="ctr">
+              <a:buNone/>
+              <a:defRPr sz="1600"/>
+            </a:lvl5pPr>
+            <a:lvl6pPr marL="2286000" indent="0" algn="ctr">
+              <a:buNone/>
+              <a:defRPr sz="1600"/>
+            </a:lvl6pPr>
+            <a:lvl7pPr marL="2743200" indent="0" algn="ctr">
+              <a:buNone/>
+              <a:defRPr sz="1600"/>
+            </a:lvl7pPr>
+            <a:lvl8pPr marL="3200400" indent="0" algn="ctr">
+              <a:buNone/>
+              <a:defRPr sz="1600"/>
+            </a:lvl8pPr>
+            <a:lvl9pPr marL="3657600" indent="0" algn="ctr">
+              <a:buNone/>
+              <a:defRPr sz="1600"/>
+            </a:lvl9pPr>
+          </a:lstStyle>
+          <a:p>
+            <a:endParaRPr lang="en-GB"/>
+          </a:p>
+        </p:txBody>
+      </p:sp>
+      <p:pic>
+        <p:nvPicPr>
+          <p:cNvPr id="9" name="Picture 8">
+            <a:extLst>
+              <a:ext uri="{FF2B5EF4-FFF2-40B4-BE49-F238E27FC236}">
+                <a16:creationId xmlns:a16="http://schemas.microsoft.com/office/drawing/2014/main" id="{ADC96ABF-C649-123E-FBF1-598689C3D553}"/>
+              </a:ext>
+              <a:ext uri="{C183D7F6-B498-43B3-948B-1728B52AA6E4}">
+                <adec:decorative xmlns:adec="http://schemas.microsoft.com/office/drawing/2017/decorative" val="1"/>
+              </a:ext>
+            </a:extLst>
+          </p:cNvPr>
+          <p:cNvPicPr>
+            <a:picLocks noChangeAspect="1"/>
+          </p:cNvPicPr>
+          <p:nvPr userDrawn="1"/>
+        </p:nvPicPr>
+        <p:blipFill>
+          <a:blip r:embed="rId4"/>
+          <a:stretch>
+            <a:fillRect/>
+          </a:stretch>
+        </p:blipFill>
+        <p:spPr>
+          <a:xfrm>
+            <a:off x="473406" y="5650088"/>
+            <a:ext cx="1972082" cy="650979"/>
+          </a:xfrm>
+          <a:prstGeom prst="rect">
+            <a:avLst/>
+          </a:prstGeom>
+        </p:spPr>
+      </p:pic>
+    </p:spTree>
+    <p:extLst>
+      <p:ext uri="{BB962C8B-B14F-4D97-AF65-F5344CB8AC3E}">
+        <p14:creationId xmlns:p14="http://schemas.microsoft.com/office/powerpoint/2010/main" val="2596478616"/>
+      </p:ext>
+    </p:extLst>
+  </p:cSld>
+  <p:clrMapOvr>
+    <a:masterClrMapping/>
+  </p:clrMapOvr>
+  <p:extLst>
+    <p:ext uri="{DCECCB84-F9BA-43D5-87BE-67443E8EF086}">
+      <p15:sldGuideLst xmlns:p15="http://schemas.microsoft.com/office/powerpoint/2012/main"/>
+    </p:ext>
+  </p:extLst>
+</p:sldLayout>
+</file>
+
 <file path=ppt/slideLayouts/slideLayout4.xml><?xml version="1.0" encoding="utf-8"?>
 <p:sldLayout xmlns:a="http://schemas.openxmlformats.org/drawingml/2006/main" xmlns:r="http://schemas.openxmlformats.org/officeDocument/2006/relationships" xmlns:p="http://schemas.openxmlformats.org/presentationml/2006/main" showMasterSp="0" preserve="1" userDrawn="1">
   <p:cSld name="Title slide 1">
@@ -33142,6 +33380,7 @@
     <p:sldLayoutId id="2147483903" r:id="rId35"/>
     <p:sldLayoutId id="2147483905" r:id="rId36"/>
     <p:sldLayoutId id="2147483906" r:id="rId37"/>
+    <p:sldLayoutId id="2147483907" r:id="rId38"/>
   </p:sldLayoutIdLst>
   <p:hf hdr="0" dt="0"/>
   <p:txStyles>
@@ -33200,7 +33439,7 @@
         <a:buSzPct val="125000"/>
         <a:buFontTx/>
         <a:buBlip>
-          <a:blip r:embed="rId39"/>
+          <a:blip r:embed="rId40"/>
         </a:buBlip>
         <a:tabLst/>
         <a:defRPr sz="2000" b="0" kern="1200">
@@ -33225,7 +33464,7 @@
         <a:buSzPct val="120000"/>
         <a:buFontTx/>
         <a:buBlip>
-          <a:blip r:embed="rId39"/>
+          <a:blip r:embed="rId40"/>
         </a:buBlip>
         <a:tabLst/>
         <a:defRPr sz="2000" b="0" i="0" kern="1200">
@@ -33250,7 +33489,7 @@
         <a:buSzPct val="120000"/>
         <a:buFontTx/>
         <a:buBlip>
-          <a:blip r:embed="rId39"/>
+          <a:blip r:embed="rId40"/>
         </a:buBlip>
         <a:tabLst/>
         <a:defRPr sz="2000" b="0" kern="1200">
@@ -33275,7 +33514,7 @@
         <a:buSzPct val="125000"/>
         <a:buFontTx/>
         <a:buBlip>
-          <a:blip r:embed="rId39"/>
+          <a:blip r:embed="rId40"/>
         </a:buBlip>
         <a:tabLst/>
         <a:defRPr sz="2000" b="0" kern="1200">
@@ -33624,32 +33863,13 @@
       </p:grpSpPr>
       <p:sp>
         <p:nvSpPr>
-          <p:cNvPr id="2" name="Text Placeholder 1">
+          <p:cNvPr id="4" name="Title 3">
             <a:extLst>
               <a:ext uri="{FF2B5EF4-FFF2-40B4-BE49-F238E27FC236}">
-                <a16:creationId xmlns:a16="http://schemas.microsoft.com/office/drawing/2014/main" id="{06A5E67E-0D96-087C-2DEA-FC45423112EC}"/>
+                <a16:creationId xmlns:a16="http://schemas.microsoft.com/office/drawing/2014/main" id="{6B10A2E5-A3AA-7BE3-7C87-983A58C15C46}"/>
               </a:ext>
             </a:extLst>
           </p:cNvPr>
-          <p:cNvSpPr>
-            <a:spLocks noGrp="1"/>
-          </p:cNvSpPr>
-          <p:nvPr>
-            <p:ph type="body" sz="quarter" idx="12"/>
-          </p:nvPr>
-        </p:nvSpPr>
-        <p:spPr/>
-        <p:txBody>
-          <a:bodyPr/>
-          <a:lstStyle/>
-          <a:p>
-            <a:endParaRPr lang="en-GB"/>
-          </a:p>
-        </p:txBody>
-      </p:sp>
-      <p:sp>
-        <p:nvSpPr>
-          <p:cNvPr id="3" name="Title 2"/>
           <p:cNvSpPr>
             <a:spLocks noGrp="1"/>
           </p:cNvSpPr>
@@ -33666,14 +33886,39 @@
               <a:rPr lang="en-GB" dirty="0"/>
               <a:t>Polymorphism</a:t>
             </a:r>
-            <a:endParaRPr lang="en-IN" dirty="0"/>
+            <a:endParaRPr lang="en-US" dirty="0"/>
+          </a:p>
+        </p:txBody>
+      </p:sp>
+      <p:sp>
+        <p:nvSpPr>
+          <p:cNvPr id="3" name="Subtitle 2">
+            <a:extLst>
+              <a:ext uri="{FF2B5EF4-FFF2-40B4-BE49-F238E27FC236}">
+                <a16:creationId xmlns:a16="http://schemas.microsoft.com/office/drawing/2014/main" id="{52534D79-CFC0-C4F4-AD12-F13DBCAB1A97}"/>
+              </a:ext>
+            </a:extLst>
+          </p:cNvPr>
+          <p:cNvSpPr>
+            <a:spLocks noGrp="1"/>
+          </p:cNvSpPr>
+          <p:nvPr>
+            <p:ph type="subTitle" idx="1"/>
+          </p:nvPr>
+        </p:nvSpPr>
+        <p:spPr/>
+        <p:txBody>
+          <a:bodyPr/>
+          <a:lstStyle/>
+          <a:p>
+            <a:endParaRPr lang="en-GB"/>
           </a:p>
         </p:txBody>
       </p:sp>
     </p:spTree>
     <p:extLst>
       <p:ext uri="{BB962C8B-B14F-4D97-AF65-F5344CB8AC3E}">
-        <p14:creationId xmlns:p14="http://schemas.microsoft.com/office/powerpoint/2010/main" val="1579694095"/>
+        <p14:creationId xmlns:p14="http://schemas.microsoft.com/office/powerpoint/2010/main" val="1003932267"/>
       </p:ext>
     </p:extLst>
   </p:cSld>
@@ -44940,12 +45185,20 @@
 </file>
 
 <file path=customXml/item1.xml><?xml version="1.0" encoding="utf-8"?>
-<?mso-contentType ?>
-<FormTemplates xmlns="http://schemas.microsoft.com/sharepoint/v3/contenttype/forms">
-  <Display>DocumentLibraryForm</Display>
-  <Edit>DocumentLibraryForm</Edit>
-  <New>DocumentLibraryForm</New>
-</FormTemplates>
+<p:properties xmlns:p="http://schemas.microsoft.com/office/2006/metadata/properties" xmlns:xsi="http://www.w3.org/2001/XMLSchema-instance" xmlns:pc="http://schemas.microsoft.com/office/infopath/2007/PartnerControls">
+  <documentManagement>
+    <SequenceNumber xmlns="6794D9DE-4FDF-4DC0-8B2C-5438320C69D5" xsi:nil="true"/>
+    <IsBuildFile xmlns="6794D9DE-4FDF-4DC0-8B2C-5438320C69D5" xsi:nil="true"/>
+    <BookTypeField0 xmlns="6794D9DE-4FDF-4DC0-8B2C-5438320C69D5">
+      <Terms xmlns="http://schemas.microsoft.com/office/infopath/2007/PartnerControls">
+        <TermInfo xmlns="http://schemas.microsoft.com/office/infopath/2007/PartnerControls">
+          <TermName xmlns="http://schemas.microsoft.com/office/infopath/2007/PartnerControls">IK</TermName>
+          <TermId xmlns="http://schemas.microsoft.com/office/infopath/2007/PartnerControls">5abe6401-e87a-4499-80b4-3d21a1a6ebd7</TermId>
+        </TermInfo>
+      </Terms>
+    </BookTypeField0>
+  </documentManagement>
+</p:properties>
 </file>
 
 <file path=customXml/item2.xml><?xml version="1.0" encoding="utf-8"?>
@@ -45089,26 +45342,26 @@
 </file>
 
 <file path=customXml/item3.xml><?xml version="1.0" encoding="utf-8"?>
-<p:properties xmlns:p="http://schemas.microsoft.com/office/2006/metadata/properties" xmlns:xsi="http://www.w3.org/2001/XMLSchema-instance" xmlns:pc="http://schemas.microsoft.com/office/infopath/2007/PartnerControls">
-  <documentManagement>
-    <SequenceNumber xmlns="6794D9DE-4FDF-4DC0-8B2C-5438320C69D5" xsi:nil="true"/>
-    <IsBuildFile xmlns="6794D9DE-4FDF-4DC0-8B2C-5438320C69D5" xsi:nil="true"/>
-    <BookTypeField0 xmlns="6794D9DE-4FDF-4DC0-8B2C-5438320C69D5">
-      <Terms xmlns="http://schemas.microsoft.com/office/infopath/2007/PartnerControls">
-        <TermInfo xmlns="http://schemas.microsoft.com/office/infopath/2007/PartnerControls">
-          <TermName xmlns="http://schemas.microsoft.com/office/infopath/2007/PartnerControls">IK</TermName>
-          <TermId xmlns="http://schemas.microsoft.com/office/infopath/2007/PartnerControls">5abe6401-e87a-4499-80b4-3d21a1a6ebd7</TermId>
-        </TermInfo>
-      </Terms>
-    </BookTypeField0>
-  </documentManagement>
-</p:properties>
+<?mso-contentType ?>
+<FormTemplates xmlns="http://schemas.microsoft.com/sharepoint/v3/contenttype/forms">
+  <Display>DocumentLibraryForm</Display>
+  <Edit>DocumentLibraryForm</Edit>
+  <New>DocumentLibraryForm</New>
+</FormTemplates>
 </file>
 
 <file path=customXml/itemProps1.xml><?xml version="1.0" encoding="utf-8"?>
-<ds:datastoreItem xmlns:ds="http://schemas.openxmlformats.org/officeDocument/2006/customXml" ds:itemID="{49B953F8-652C-430A-8D9D-5F0B70E6D45D}">
+<ds:datastoreItem xmlns:ds="http://schemas.openxmlformats.org/officeDocument/2006/customXml" ds:itemID="{8B002782-C0E5-4A6E-ADDD-C83D4552F6A7}">
   <ds:schemaRefs>
-    <ds:schemaRef ds:uri="http://schemas.microsoft.com/sharepoint/v3/contenttype/forms"/>
+    <ds:schemaRef ds:uri="http://schemas.microsoft.com/office/infopath/2007/PartnerControls"/>
+    <ds:schemaRef ds:uri="http://www.w3.org/XML/1998/namespace"/>
+    <ds:schemaRef ds:uri="http://purl.org/dc/dcmitype/"/>
+    <ds:schemaRef ds:uri="http://schemas.openxmlformats.org/package/2006/metadata/core-properties"/>
+    <ds:schemaRef ds:uri="http://purl.org/dc/terms/"/>
+    <ds:schemaRef ds:uri="http://schemas.microsoft.com/office/2006/documentManagement/types"/>
+    <ds:schemaRef ds:uri="http://purl.org/dc/elements/1.1/"/>
+    <ds:schemaRef ds:uri="6794D9DE-4FDF-4DC0-8B2C-5438320C69D5"/>
+    <ds:schemaRef ds:uri="http://schemas.microsoft.com/office/2006/metadata/properties"/>
   </ds:schemaRefs>
 </ds:datastoreItem>
 </file>
@@ -45132,17 +45385,9 @@
 </file>
 
 <file path=customXml/itemProps3.xml><?xml version="1.0" encoding="utf-8"?>
-<ds:datastoreItem xmlns:ds="http://schemas.openxmlformats.org/officeDocument/2006/customXml" ds:itemID="{8B002782-C0E5-4A6E-ADDD-C83D4552F6A7}">
+<ds:datastoreItem xmlns:ds="http://schemas.openxmlformats.org/officeDocument/2006/customXml" ds:itemID="{49B953F8-652C-430A-8D9D-5F0B70E6D45D}">
   <ds:schemaRefs>
-    <ds:schemaRef ds:uri="http://schemas.microsoft.com/office/infopath/2007/PartnerControls"/>
-    <ds:schemaRef ds:uri="http://www.w3.org/XML/1998/namespace"/>
-    <ds:schemaRef ds:uri="http://purl.org/dc/dcmitype/"/>
-    <ds:schemaRef ds:uri="http://schemas.openxmlformats.org/package/2006/metadata/core-properties"/>
-    <ds:schemaRef ds:uri="http://purl.org/dc/terms/"/>
-    <ds:schemaRef ds:uri="http://schemas.microsoft.com/office/2006/documentManagement/types"/>
-    <ds:schemaRef ds:uri="http://purl.org/dc/elements/1.1/"/>
-    <ds:schemaRef ds:uri="6794D9DE-4FDF-4DC0-8B2C-5438320C69D5"/>
-    <ds:schemaRef ds:uri="http://schemas.microsoft.com/office/2006/metadata/properties"/>
+    <ds:schemaRef ds:uri="http://schemas.microsoft.com/sharepoint/v3/contenttype/forms"/>
   </ds:schemaRefs>
 </ds:datastoreItem>
 </file>
--- a/08-Polymorphism.pptx
+++ b/08-Polymorphism.pptx
@@ -6045,7 +6045,7 @@
           <a:p>
             <a:fld id="{86D088FE-3E68-47FE-8BA4-634CD34BABBC}" type="datetimeFigureOut">
               <a:rPr lang="en-GB" smtClean="0"/>
-              <a:t>05/12/2025</a:t>
+              <a:t>10/12/2025</a:t>
             </a:fld>
             <a:endParaRPr lang="en-GB"/>
           </a:p>
@@ -6216,7 +6216,7 @@
             <a:fld id="{1D6B66C6-1E92-0F4E-A300-9D4ED1F0C23F}" type="datetimeFigureOut">
               <a:rPr lang="en-GB" smtClean="0"/>
               <a:pPr/>
-              <a:t>05/12/2025</a:t>
+              <a:t>10/12/2025</a:t>
             </a:fld>
             <a:endParaRPr lang="en-GB"/>
           </a:p>
@@ -33947,6 +33947,399 @@
       </p:grpSpPr>
       <p:sp>
         <p:nvSpPr>
+          <p:cNvPr id="24" name="Rectangle 23"/>
+          <p:cNvSpPr/>
+          <p:nvPr/>
+        </p:nvSpPr>
+        <p:spPr>
+          <a:xfrm>
+            <a:off x="2001592" y="3476373"/>
+            <a:ext cx="8352746" cy="2638094"/>
+          </a:xfrm>
+          <a:prstGeom prst="rect">
+            <a:avLst/>
+          </a:prstGeom>
+          <a:solidFill>
+            <a:schemeClr val="accent5">
+              <a:lumMod val="20000"/>
+              <a:lumOff val="80000"/>
+            </a:schemeClr>
+          </a:solidFill>
+          <a:ln w="19050">
+            <a:noFill/>
+          </a:ln>
+          <a:effectLst>
+            <a:outerShdw blurRad="50800" dist="38100" algn="l" rotWithShape="0">
+              <a:prstClr val="black">
+                <a:alpha val="40000"/>
+              </a:prstClr>
+            </a:outerShdw>
+          </a:effectLst>
+        </p:spPr>
+        <p:style>
+          <a:lnRef idx="2">
+            <a:schemeClr val="accent1"/>
+          </a:lnRef>
+          <a:fillRef idx="1">
+            <a:schemeClr val="lt1"/>
+          </a:fillRef>
+          <a:effectRef idx="0">
+            <a:schemeClr val="accent1"/>
+          </a:effectRef>
+          <a:fontRef idx="minor">
+            <a:schemeClr val="dk1"/>
+          </a:fontRef>
+        </p:style>
+        <p:txBody>
+          <a:bodyPr wrap="square">
+            <a:spAutoFit/>
+          </a:bodyPr>
+          <a:lstStyle/>
+          <a:p>
+            <a:pPr>
+              <a:lnSpc>
+                <a:spcPct val="150000"/>
+              </a:lnSpc>
+            </a:pPr>
+            <a:r>
+              <a:rPr lang="en-GB" sz="1600" dirty="0">
+                <a:solidFill>
+                  <a:srgbClr val="000000"/>
+                </a:solidFill>
+                <a:latin typeface="Consolas" panose="020B0609020204030204" pitchFamily="49" charset="0"/>
+              </a:rPr>
+              <a:t>Shape </a:t>
+            </a:r>
+            <a:r>
+              <a:rPr lang="en-GB" sz="1600" dirty="0" err="1">
+                <a:solidFill>
+                  <a:srgbClr val="6A3E3E"/>
+                </a:solidFill>
+                <a:latin typeface="Consolas" panose="020B0609020204030204" pitchFamily="49" charset="0"/>
+              </a:rPr>
+              <a:t>myShape</a:t>
+            </a:r>
+            <a:r>
+              <a:rPr lang="en-GB" sz="1600" dirty="0">
+                <a:solidFill>
+                  <a:srgbClr val="000000"/>
+                </a:solidFill>
+                <a:latin typeface="Consolas" panose="020B0609020204030204" pitchFamily="49" charset="0"/>
+              </a:rPr>
+              <a:t> = </a:t>
+            </a:r>
+            <a:r>
+              <a:rPr lang="en-GB" sz="1600" dirty="0">
+                <a:solidFill>
+                  <a:srgbClr val="7F0055"/>
+                </a:solidFill>
+                <a:latin typeface="Consolas" panose="020B0609020204030204" pitchFamily="49" charset="0"/>
+              </a:rPr>
+              <a:t>new</a:t>
+            </a:r>
+            <a:r>
+              <a:rPr lang="en-GB" sz="1600" dirty="0">
+                <a:solidFill>
+                  <a:srgbClr val="000000"/>
+                </a:solidFill>
+                <a:latin typeface="Consolas" panose="020B0609020204030204" pitchFamily="49" charset="0"/>
+              </a:rPr>
+              <a:t> Shape(</a:t>
+            </a:r>
+            <a:r>
+              <a:rPr lang="en-GB" sz="1600" i="1" dirty="0">
+                <a:solidFill>
+                  <a:srgbClr val="000000"/>
+                </a:solidFill>
+                <a:latin typeface="Consolas" panose="020B0609020204030204" pitchFamily="49" charset="0"/>
+              </a:rPr>
+              <a:t>);</a:t>
+            </a:r>
+          </a:p>
+          <a:p>
+            <a:pPr>
+              <a:lnSpc>
+                <a:spcPct val="150000"/>
+              </a:lnSpc>
+            </a:pPr>
+            <a:r>
+              <a:rPr lang="en-GB" sz="1600" dirty="0">
+                <a:solidFill>
+                  <a:srgbClr val="000000"/>
+                </a:solidFill>
+                <a:latin typeface="Consolas" panose="020B0609020204030204" pitchFamily="49" charset="0"/>
+              </a:rPr>
+              <a:t>Rectangle </a:t>
+            </a:r>
+            <a:r>
+              <a:rPr lang="en-GB" sz="1600" dirty="0" err="1">
+                <a:solidFill>
+                  <a:srgbClr val="6A3E3E"/>
+                </a:solidFill>
+                <a:latin typeface="Consolas" panose="020B0609020204030204" pitchFamily="49" charset="0"/>
+              </a:rPr>
+              <a:t>myRectangle</a:t>
+            </a:r>
+            <a:r>
+              <a:rPr lang="en-GB" sz="1600" dirty="0">
+                <a:solidFill>
+                  <a:srgbClr val="000000"/>
+                </a:solidFill>
+                <a:latin typeface="Consolas" panose="020B0609020204030204" pitchFamily="49" charset="0"/>
+              </a:rPr>
+              <a:t> = </a:t>
+            </a:r>
+            <a:r>
+              <a:rPr lang="en-GB" sz="1600" dirty="0">
+                <a:solidFill>
+                  <a:srgbClr val="7F0055"/>
+                </a:solidFill>
+                <a:latin typeface="Consolas" panose="020B0609020204030204" pitchFamily="49" charset="0"/>
+              </a:rPr>
+              <a:t>new</a:t>
+            </a:r>
+            <a:r>
+              <a:rPr lang="en-GB" sz="1600" dirty="0">
+                <a:solidFill>
+                  <a:srgbClr val="000000"/>
+                </a:solidFill>
+                <a:latin typeface="Consolas" panose="020B0609020204030204" pitchFamily="49" charset="0"/>
+              </a:rPr>
+              <a:t> Rectangle(</a:t>
+            </a:r>
+            <a:r>
+              <a:rPr lang="en-GB" sz="1600" i="1" dirty="0">
+                <a:solidFill>
+                  <a:srgbClr val="000000"/>
+                </a:solidFill>
+                <a:latin typeface="Consolas" panose="020B0609020204030204" pitchFamily="49" charset="0"/>
+              </a:rPr>
+              <a:t>);</a:t>
+            </a:r>
+          </a:p>
+          <a:p>
+            <a:pPr>
+              <a:lnSpc>
+                <a:spcPct val="150000"/>
+              </a:lnSpc>
+            </a:pPr>
+            <a:r>
+              <a:rPr lang="en-GB" sz="1600" dirty="0">
+                <a:solidFill>
+                  <a:srgbClr val="000000"/>
+                </a:solidFill>
+                <a:latin typeface="Consolas" panose="020B0609020204030204" pitchFamily="49" charset="0"/>
+              </a:rPr>
+              <a:t>Shape[] </a:t>
+            </a:r>
+            <a:r>
+              <a:rPr lang="en-GB" sz="1600" dirty="0">
+                <a:solidFill>
+                  <a:srgbClr val="6A3E3E"/>
+                </a:solidFill>
+                <a:latin typeface="Consolas" panose="020B0609020204030204" pitchFamily="49" charset="0"/>
+              </a:rPr>
+              <a:t>shapes</a:t>
+            </a:r>
+            <a:r>
+              <a:rPr lang="en-GB" sz="1600" dirty="0">
+                <a:solidFill>
+                  <a:srgbClr val="000000"/>
+                </a:solidFill>
+                <a:latin typeface="Consolas" panose="020B0609020204030204" pitchFamily="49" charset="0"/>
+              </a:rPr>
+              <a:t> = {</a:t>
+            </a:r>
+            <a:r>
+              <a:rPr lang="en-GB" sz="1600" dirty="0" err="1">
+                <a:solidFill>
+                  <a:srgbClr val="6A3E3E"/>
+                </a:solidFill>
+                <a:latin typeface="Consolas" panose="020B0609020204030204" pitchFamily="49" charset="0"/>
+              </a:rPr>
+              <a:t>myShape</a:t>
+            </a:r>
+            <a:r>
+              <a:rPr lang="en-GB" sz="1600" dirty="0">
+                <a:solidFill>
+                  <a:srgbClr val="6A3E3E"/>
+                </a:solidFill>
+                <a:latin typeface="Consolas" panose="020B0609020204030204" pitchFamily="49" charset="0"/>
+              </a:rPr>
+              <a:t>, </a:t>
+            </a:r>
+            <a:r>
+              <a:rPr lang="en-GB" sz="1600" dirty="0" err="1">
+                <a:solidFill>
+                  <a:srgbClr val="6A3E3E"/>
+                </a:solidFill>
+                <a:latin typeface="Consolas" panose="020B0609020204030204" pitchFamily="49" charset="0"/>
+              </a:rPr>
+              <a:t>myRectangle</a:t>
+            </a:r>
+            <a:r>
+              <a:rPr lang="en-GB" sz="1600" dirty="0">
+                <a:solidFill>
+                  <a:srgbClr val="000000"/>
+                </a:solidFill>
+                <a:latin typeface="Consolas" panose="020B0609020204030204" pitchFamily="49" charset="0"/>
+              </a:rPr>
+              <a:t>};</a:t>
+            </a:r>
+            <a:br>
+              <a:rPr lang="en-GB" sz="1600" dirty="0">
+                <a:solidFill>
+                  <a:srgbClr val="000000"/>
+                </a:solidFill>
+                <a:latin typeface="Consolas" panose="020B0609020204030204" pitchFamily="49" charset="0"/>
+              </a:rPr>
+            </a:br>
+            <a:endParaRPr lang="en-GB" sz="1600" dirty="0">
+              <a:solidFill>
+                <a:srgbClr val="3F7F5F"/>
+              </a:solidFill>
+              <a:latin typeface="Consolas" panose="020B0609020204030204" pitchFamily="49" charset="0"/>
+            </a:endParaRPr>
+          </a:p>
+          <a:p>
+            <a:pPr>
+              <a:lnSpc>
+                <a:spcPct val="150000"/>
+              </a:lnSpc>
+            </a:pPr>
+            <a:r>
+              <a:rPr lang="en-GB" sz="1600" dirty="0">
+                <a:solidFill>
+                  <a:srgbClr val="7F0055"/>
+                </a:solidFill>
+                <a:latin typeface="Consolas" panose="020B0609020204030204" pitchFamily="49" charset="0"/>
+              </a:rPr>
+              <a:t>foreach</a:t>
+            </a:r>
+            <a:r>
+              <a:rPr lang="en-GB" sz="1600" dirty="0">
+                <a:solidFill>
+                  <a:srgbClr val="000000"/>
+                </a:solidFill>
+                <a:latin typeface="Consolas" panose="020B0609020204030204" pitchFamily="49" charset="0"/>
+              </a:rPr>
+              <a:t> (Shape </a:t>
+            </a:r>
+            <a:r>
+              <a:rPr lang="en-GB" sz="1600" dirty="0">
+                <a:solidFill>
+                  <a:srgbClr val="6A3E3E"/>
+                </a:solidFill>
+                <a:latin typeface="Consolas" panose="020B0609020204030204" pitchFamily="49" charset="0"/>
+              </a:rPr>
+              <a:t>s</a:t>
+            </a:r>
+            <a:r>
+              <a:rPr lang="en-GB" sz="1600" dirty="0">
+                <a:solidFill>
+                  <a:srgbClr val="000000"/>
+                </a:solidFill>
+                <a:latin typeface="Consolas" panose="020B0609020204030204" pitchFamily="49" charset="0"/>
+              </a:rPr>
+              <a:t> in </a:t>
+            </a:r>
+            <a:r>
+              <a:rPr lang="en-GB" sz="1600" dirty="0">
+                <a:solidFill>
+                  <a:srgbClr val="6A3E3E"/>
+                </a:solidFill>
+                <a:latin typeface="Consolas" panose="020B0609020204030204" pitchFamily="49" charset="0"/>
+              </a:rPr>
+              <a:t>shapes</a:t>
+            </a:r>
+            <a:r>
+              <a:rPr lang="en-GB" sz="1600" dirty="0">
+                <a:solidFill>
+                  <a:srgbClr val="000000"/>
+                </a:solidFill>
+                <a:latin typeface="Consolas" panose="020B0609020204030204" pitchFamily="49" charset="0"/>
+              </a:rPr>
+              <a:t>)</a:t>
+            </a:r>
+          </a:p>
+          <a:p>
+            <a:pPr>
+              <a:lnSpc>
+                <a:spcPct val="150000"/>
+              </a:lnSpc>
+            </a:pPr>
+            <a:r>
+              <a:rPr lang="en-GB" sz="1600" dirty="0">
+                <a:solidFill>
+                  <a:srgbClr val="000000"/>
+                </a:solidFill>
+                <a:latin typeface="Consolas" panose="020B0609020204030204" pitchFamily="49" charset="0"/>
+              </a:rPr>
+              <a:t>	</a:t>
+            </a:r>
+            <a:r>
+              <a:rPr lang="en-GB" sz="1600" dirty="0" err="1">
+                <a:solidFill>
+                  <a:srgbClr val="000000"/>
+                </a:solidFill>
+                <a:latin typeface="Consolas" panose="020B0609020204030204" pitchFamily="49" charset="0"/>
+              </a:rPr>
+              <a:t>Console.WriteLine</a:t>
+            </a:r>
+            <a:r>
+              <a:rPr lang="en-GB" sz="1600" dirty="0">
+                <a:solidFill>
+                  <a:srgbClr val="000000"/>
+                </a:solidFill>
+                <a:latin typeface="Consolas" panose="020B0609020204030204" pitchFamily="49" charset="0"/>
+              </a:rPr>
+              <a:t>(</a:t>
+            </a:r>
+            <a:r>
+              <a:rPr lang="en-GB" sz="1600" dirty="0" err="1">
+                <a:solidFill>
+                  <a:srgbClr val="6A3E3E"/>
+                </a:solidFill>
+                <a:latin typeface="Consolas" panose="020B0609020204030204" pitchFamily="49" charset="0"/>
+              </a:rPr>
+              <a:t>s</a:t>
+            </a:r>
+            <a:r>
+              <a:rPr lang="en-GB" sz="1600" dirty="0" err="1">
+                <a:solidFill>
+                  <a:srgbClr val="000000"/>
+                </a:solidFill>
+                <a:latin typeface="Consolas" panose="020B0609020204030204" pitchFamily="49" charset="0"/>
+              </a:rPr>
+              <a:t>.getArea</a:t>
+            </a:r>
+            <a:r>
+              <a:rPr lang="en-GB" sz="1600" dirty="0">
+                <a:solidFill>
+                  <a:srgbClr val="000000"/>
+                </a:solidFill>
+                <a:latin typeface="Consolas" panose="020B0609020204030204" pitchFamily="49" charset="0"/>
+              </a:rPr>
+              <a:t>());</a:t>
+            </a:r>
+          </a:p>
+          <a:p>
+            <a:pPr>
+              <a:lnSpc>
+                <a:spcPct val="150000"/>
+              </a:lnSpc>
+            </a:pPr>
+            <a:endParaRPr lang="en-GB" sz="1600" dirty="0">
+              <a:solidFill>
+                <a:srgbClr val="000000"/>
+              </a:solidFill>
+              <a:latin typeface="Consolas" panose="020B0609020204030204" pitchFamily="49" charset="0"/>
+            </a:endParaRPr>
+          </a:p>
+        </p:txBody>
+      </p:sp>
+      <p:sp>
+        <p:nvSpPr>
           <p:cNvPr id="3" name="Title 2"/>
           <p:cNvSpPr>
             <a:spLocks noGrp="1"/>
@@ -34586,8 +34979,8 @@
         </p:nvSpPr>
         <p:spPr>
           <a:xfrm>
-            <a:off x="2001591" y="5117596"/>
-            <a:ext cx="8348639" cy="338554"/>
+            <a:off x="2444239" y="5940101"/>
+            <a:ext cx="7670146" cy="338554"/>
           </a:xfrm>
           <a:prstGeom prst="rect">
             <a:avLst/>
@@ -34637,361 +35030,6 @@
             <a:r>
               <a:rPr lang="en-GB" sz="1600" b="1" dirty="0"/>
               <a:t>() methods are invoked?  Shape or Rectangle?</a:t>
-            </a:r>
-          </a:p>
-        </p:txBody>
-      </p:sp>
-      <p:sp>
-        <p:nvSpPr>
-          <p:cNvPr id="24" name="Rectangle 23"/>
-          <p:cNvSpPr/>
-          <p:nvPr/>
-        </p:nvSpPr>
-        <p:spPr>
-          <a:xfrm>
-            <a:off x="1997485" y="3386818"/>
-            <a:ext cx="8352746" cy="1569660"/>
-          </a:xfrm>
-          <a:prstGeom prst="rect">
-            <a:avLst/>
-          </a:prstGeom>
-          <a:solidFill>
-            <a:schemeClr val="accent5">
-              <a:lumMod val="20000"/>
-              <a:lumOff val="80000"/>
-            </a:schemeClr>
-          </a:solidFill>
-          <a:ln w="19050">
-            <a:noFill/>
-          </a:ln>
-          <a:effectLst>
-            <a:outerShdw blurRad="50800" dist="38100" algn="l" rotWithShape="0">
-              <a:prstClr val="black">
-                <a:alpha val="40000"/>
-              </a:prstClr>
-            </a:outerShdw>
-          </a:effectLst>
-        </p:spPr>
-        <p:style>
-          <a:lnRef idx="2">
-            <a:schemeClr val="accent1"/>
-          </a:lnRef>
-          <a:fillRef idx="1">
-            <a:schemeClr val="lt1"/>
-          </a:fillRef>
-          <a:effectRef idx="0">
-            <a:schemeClr val="accent1"/>
-          </a:effectRef>
-          <a:fontRef idx="minor">
-            <a:schemeClr val="dk1"/>
-          </a:fontRef>
-        </p:style>
-        <p:txBody>
-          <a:bodyPr wrap="square">
-            <a:spAutoFit/>
-          </a:bodyPr>
-          <a:lstStyle/>
-          <a:p>
-            <a:r>
-              <a:rPr lang="en-GB" sz="1600" dirty="0">
-                <a:solidFill>
-                  <a:srgbClr val="000000"/>
-                </a:solidFill>
-                <a:latin typeface="Consolas" panose="020B0609020204030204" pitchFamily="49" charset="0"/>
-              </a:rPr>
-              <a:t>Shape </a:t>
-            </a:r>
-            <a:r>
-              <a:rPr lang="en-GB" sz="1600" dirty="0" err="1">
-                <a:solidFill>
-                  <a:srgbClr val="6A3E3E"/>
-                </a:solidFill>
-                <a:latin typeface="Consolas" panose="020B0609020204030204" pitchFamily="49" charset="0"/>
-              </a:rPr>
-              <a:t>myShape</a:t>
-            </a:r>
-            <a:r>
-              <a:rPr lang="en-GB" sz="1600" dirty="0">
-                <a:solidFill>
-                  <a:srgbClr val="000000"/>
-                </a:solidFill>
-                <a:latin typeface="Consolas" panose="020B0609020204030204" pitchFamily="49" charset="0"/>
-              </a:rPr>
-              <a:t> = </a:t>
-            </a:r>
-            <a:r>
-              <a:rPr lang="en-GB" sz="1600" dirty="0">
-                <a:solidFill>
-                  <a:srgbClr val="7F0055"/>
-                </a:solidFill>
-                <a:latin typeface="Consolas" panose="020B0609020204030204" pitchFamily="49" charset="0"/>
-              </a:rPr>
-              <a:t>new</a:t>
-            </a:r>
-            <a:r>
-              <a:rPr lang="en-GB" sz="1600" dirty="0">
-                <a:solidFill>
-                  <a:srgbClr val="000000"/>
-                </a:solidFill>
-                <a:latin typeface="Consolas" panose="020B0609020204030204" pitchFamily="49" charset="0"/>
-              </a:rPr>
-              <a:t> Shape(</a:t>
-            </a:r>
-            <a:r>
-              <a:rPr lang="en-GB" sz="1600" i="1" dirty="0">
-                <a:solidFill>
-                  <a:srgbClr val="000000"/>
-                </a:solidFill>
-                <a:latin typeface="Consolas" panose="020B0609020204030204" pitchFamily="49" charset="0"/>
-              </a:rPr>
-              <a:t>);</a:t>
-            </a:r>
-          </a:p>
-          <a:p>
-            <a:r>
-              <a:rPr lang="en-GB" sz="1600" dirty="0">
-                <a:solidFill>
-                  <a:srgbClr val="000000"/>
-                </a:solidFill>
-                <a:latin typeface="Consolas" panose="020B0609020204030204" pitchFamily="49" charset="0"/>
-              </a:rPr>
-              <a:t>Rectangle </a:t>
-            </a:r>
-            <a:r>
-              <a:rPr lang="en-GB" sz="1600" dirty="0" err="1">
-                <a:solidFill>
-                  <a:srgbClr val="6A3E3E"/>
-                </a:solidFill>
-                <a:latin typeface="Consolas" panose="020B0609020204030204" pitchFamily="49" charset="0"/>
-              </a:rPr>
-              <a:t>myRectangle</a:t>
-            </a:r>
-            <a:r>
-              <a:rPr lang="en-GB" sz="1600" dirty="0">
-                <a:solidFill>
-                  <a:srgbClr val="000000"/>
-                </a:solidFill>
-                <a:latin typeface="Consolas" panose="020B0609020204030204" pitchFamily="49" charset="0"/>
-              </a:rPr>
-              <a:t> = </a:t>
-            </a:r>
-            <a:r>
-              <a:rPr lang="en-GB" sz="1600" dirty="0">
-                <a:solidFill>
-                  <a:srgbClr val="7F0055"/>
-                </a:solidFill>
-                <a:latin typeface="Consolas" panose="020B0609020204030204" pitchFamily="49" charset="0"/>
-              </a:rPr>
-              <a:t>new</a:t>
-            </a:r>
-            <a:r>
-              <a:rPr lang="en-GB" sz="1600" dirty="0">
-                <a:solidFill>
-                  <a:srgbClr val="000000"/>
-                </a:solidFill>
-                <a:latin typeface="Consolas" panose="020B0609020204030204" pitchFamily="49" charset="0"/>
-              </a:rPr>
-              <a:t> Rectangle(</a:t>
-            </a:r>
-            <a:r>
-              <a:rPr lang="en-GB" sz="1600" i="1" dirty="0">
-                <a:solidFill>
-                  <a:srgbClr val="000000"/>
-                </a:solidFill>
-                <a:latin typeface="Consolas" panose="020B0609020204030204" pitchFamily="49" charset="0"/>
-              </a:rPr>
-              <a:t>);</a:t>
-            </a:r>
-          </a:p>
-          <a:p>
-            <a:r>
-              <a:rPr lang="en-GB" sz="1600" dirty="0">
-                <a:solidFill>
-                  <a:srgbClr val="000000"/>
-                </a:solidFill>
-                <a:latin typeface="Consolas" panose="020B0609020204030204" pitchFamily="49" charset="0"/>
-              </a:rPr>
-              <a:t>Shape[] </a:t>
-            </a:r>
-            <a:r>
-              <a:rPr lang="en-GB" sz="1600" dirty="0">
-                <a:solidFill>
-                  <a:srgbClr val="6A3E3E"/>
-                </a:solidFill>
-                <a:latin typeface="Consolas" panose="020B0609020204030204" pitchFamily="49" charset="0"/>
-              </a:rPr>
-              <a:t>shapes</a:t>
-            </a:r>
-            <a:r>
-              <a:rPr lang="en-GB" sz="1600" dirty="0">
-                <a:solidFill>
-                  <a:srgbClr val="000000"/>
-                </a:solidFill>
-                <a:latin typeface="Consolas" panose="020B0609020204030204" pitchFamily="49" charset="0"/>
-              </a:rPr>
-              <a:t> = {</a:t>
-            </a:r>
-            <a:r>
-              <a:rPr lang="en-GB" sz="1600" dirty="0" err="1">
-                <a:solidFill>
-                  <a:srgbClr val="6A3E3E"/>
-                </a:solidFill>
-                <a:latin typeface="Consolas" panose="020B0609020204030204" pitchFamily="49" charset="0"/>
-              </a:rPr>
-              <a:t>myShape</a:t>
-            </a:r>
-            <a:r>
-              <a:rPr lang="en-GB" sz="1600" dirty="0">
-                <a:solidFill>
-                  <a:srgbClr val="6A3E3E"/>
-                </a:solidFill>
-                <a:latin typeface="Consolas" panose="020B0609020204030204" pitchFamily="49" charset="0"/>
-              </a:rPr>
-              <a:t>, </a:t>
-            </a:r>
-            <a:r>
-              <a:rPr lang="en-GB" sz="1600" dirty="0" err="1">
-                <a:solidFill>
-                  <a:srgbClr val="6A3E3E"/>
-                </a:solidFill>
-                <a:latin typeface="Consolas" panose="020B0609020204030204" pitchFamily="49" charset="0"/>
-              </a:rPr>
-              <a:t>myRectangle</a:t>
-            </a:r>
-            <a:r>
-              <a:rPr lang="en-GB" sz="1600" dirty="0">
-                <a:solidFill>
-                  <a:srgbClr val="000000"/>
-                </a:solidFill>
-                <a:latin typeface="Consolas" panose="020B0609020204030204" pitchFamily="49" charset="0"/>
-              </a:rPr>
-              <a:t>};</a:t>
-            </a:r>
-            <a:br>
-              <a:rPr lang="en-GB" sz="1600" dirty="0">
-                <a:solidFill>
-                  <a:srgbClr val="000000"/>
-                </a:solidFill>
-                <a:latin typeface="Consolas" panose="020B0609020204030204" pitchFamily="49" charset="0"/>
-              </a:rPr>
-            </a:br>
-            <a:endParaRPr lang="en-GB" sz="1600" dirty="0">
-              <a:solidFill>
-                <a:srgbClr val="3F7F5F"/>
-              </a:solidFill>
-              <a:latin typeface="Consolas" panose="020B0609020204030204" pitchFamily="49" charset="0"/>
-            </a:endParaRPr>
-          </a:p>
-          <a:p>
-            <a:r>
-              <a:rPr lang="en-GB" sz="1600" dirty="0">
-                <a:solidFill>
-                  <a:srgbClr val="7F0055"/>
-                </a:solidFill>
-                <a:latin typeface="Consolas" panose="020B0609020204030204" pitchFamily="49" charset="0"/>
-              </a:rPr>
-              <a:t>foreach</a:t>
-            </a:r>
-            <a:r>
-              <a:rPr lang="en-GB" sz="1600" dirty="0">
-                <a:solidFill>
-                  <a:srgbClr val="000000"/>
-                </a:solidFill>
-                <a:latin typeface="Consolas" panose="020B0609020204030204" pitchFamily="49" charset="0"/>
-              </a:rPr>
-              <a:t> (Shape </a:t>
-            </a:r>
-            <a:r>
-              <a:rPr lang="en-GB" sz="1600" dirty="0">
-                <a:solidFill>
-                  <a:srgbClr val="6A3E3E"/>
-                </a:solidFill>
-                <a:latin typeface="Consolas" panose="020B0609020204030204" pitchFamily="49" charset="0"/>
-              </a:rPr>
-              <a:t>s</a:t>
-            </a:r>
-            <a:r>
-              <a:rPr lang="en-GB" sz="1600" dirty="0">
-                <a:solidFill>
-                  <a:srgbClr val="000000"/>
-                </a:solidFill>
-                <a:latin typeface="Consolas" panose="020B0609020204030204" pitchFamily="49" charset="0"/>
-              </a:rPr>
-              <a:t> in </a:t>
-            </a:r>
-            <a:r>
-              <a:rPr lang="en-GB" sz="1600" dirty="0">
-                <a:solidFill>
-                  <a:srgbClr val="6A3E3E"/>
-                </a:solidFill>
-                <a:latin typeface="Consolas" panose="020B0609020204030204" pitchFamily="49" charset="0"/>
-              </a:rPr>
-              <a:t>shapes</a:t>
-            </a:r>
-            <a:r>
-              <a:rPr lang="en-GB" sz="1600" dirty="0">
-                <a:solidFill>
-                  <a:srgbClr val="000000"/>
-                </a:solidFill>
-                <a:latin typeface="Consolas" panose="020B0609020204030204" pitchFamily="49" charset="0"/>
-              </a:rPr>
-              <a:t>)</a:t>
-            </a:r>
-          </a:p>
-          <a:p>
-            <a:r>
-              <a:rPr lang="en-GB" sz="1600" dirty="0">
-                <a:solidFill>
-                  <a:srgbClr val="000000"/>
-                </a:solidFill>
-                <a:latin typeface="Consolas" panose="020B0609020204030204" pitchFamily="49" charset="0"/>
-              </a:rPr>
-              <a:t>	</a:t>
-            </a:r>
-            <a:r>
-              <a:rPr lang="en-GB" sz="1600" dirty="0" err="1">
-                <a:solidFill>
-                  <a:srgbClr val="000000"/>
-                </a:solidFill>
-                <a:latin typeface="Consolas" panose="020B0609020204030204" pitchFamily="49" charset="0"/>
-              </a:rPr>
-              <a:t>Console.WriteLine</a:t>
-            </a:r>
-            <a:r>
-              <a:rPr lang="en-GB" sz="1600" dirty="0">
-                <a:solidFill>
-                  <a:srgbClr val="000000"/>
-                </a:solidFill>
-                <a:latin typeface="Consolas" panose="020B0609020204030204" pitchFamily="49" charset="0"/>
-              </a:rPr>
-              <a:t>(</a:t>
-            </a:r>
-            <a:r>
-              <a:rPr lang="en-GB" sz="1600" dirty="0" err="1">
-                <a:solidFill>
-                  <a:srgbClr val="6A3E3E"/>
-                </a:solidFill>
-                <a:latin typeface="Consolas" panose="020B0609020204030204" pitchFamily="49" charset="0"/>
-              </a:rPr>
-              <a:t>s</a:t>
-            </a:r>
-            <a:r>
-              <a:rPr lang="en-GB" sz="1600" dirty="0" err="1">
-                <a:solidFill>
-                  <a:srgbClr val="000000"/>
-                </a:solidFill>
-                <a:latin typeface="Consolas" panose="020B0609020204030204" pitchFamily="49" charset="0"/>
-              </a:rPr>
-              <a:t>.getArea</a:t>
-            </a:r>
-            <a:r>
-              <a:rPr lang="en-GB" sz="1600" dirty="0">
-                <a:solidFill>
-                  <a:srgbClr val="000000"/>
-                </a:solidFill>
-                <a:latin typeface="Consolas" panose="020B0609020204030204" pitchFamily="49" charset="0"/>
-              </a:rPr>
-              <a:t>());</a:t>
             </a:r>
           </a:p>
         </p:txBody>
@@ -35078,57 +35116,6 @@
             <a:r>
               <a:rPr lang="en-GB" dirty="0"/>
               <a:t>The data type of a reference that controls what is ‘visible’ </a:t>
-            </a:r>
-          </a:p>
-        </p:txBody>
-      </p:sp>
-      <p:sp>
-        <p:nvSpPr>
-          <p:cNvPr id="10" name="Rectangle 9"/>
-          <p:cNvSpPr>
-            <a:spLocks noChangeArrowheads="1"/>
-          </p:cNvSpPr>
-          <p:nvPr/>
-        </p:nvSpPr>
-        <p:spPr bwMode="auto">
-          <a:xfrm>
-            <a:off x="3152123" y="5772370"/>
-            <a:ext cx="5096931" cy="369332"/>
-          </a:xfrm>
-          <a:prstGeom prst="rect">
-            <a:avLst/>
-          </a:prstGeom>
-          <a:solidFill>
-            <a:schemeClr val="bg1"/>
-          </a:solidFill>
-          <a:ln w="19050">
-            <a:noFill/>
-            <a:miter lim="800000"/>
-            <a:headEnd/>
-            <a:tailEnd/>
-          </a:ln>
-          <a:effectLst>
-            <a:outerShdw blurRad="50800" dist="38100" algn="l" rotWithShape="0">
-              <a:prstClr val="black">
-                <a:alpha val="40000"/>
-              </a:prstClr>
-            </a:outerShdw>
-          </a:effectLst>
-        </p:spPr>
-        <p:txBody>
-          <a:bodyPr wrap="square" anchor="ctr">
-            <a:spAutoFit/>
-          </a:bodyPr>
-          <a:lstStyle/>
-          <a:p>
-            <a:pPr algn="ctr" eaLnBrk="0" hangingPunct="0">
-              <a:spcBef>
-                <a:spcPct val="50000"/>
-              </a:spcBef>
-            </a:pPr>
-            <a:r>
-              <a:rPr lang="en-GB" b="1" dirty="0"/>
-              <a:t>Compiles but will it crash at runtime?</a:t>
             </a:r>
           </a:p>
         </p:txBody>
@@ -35356,7 +35343,7 @@
         <p:spPr>
           <a:xfrm>
             <a:off x="1546752" y="3544899"/>
-            <a:ext cx="9416320" cy="2062103"/>
+            <a:ext cx="9416320" cy="2638094"/>
           </a:xfrm>
           <a:prstGeom prst="rect">
             <a:avLst/>
@@ -35398,6 +35385,11 @@
           </a:bodyPr>
           <a:lstStyle/>
           <a:p>
+            <a:pPr>
+              <a:lnSpc>
+                <a:spcPct val="150000"/>
+              </a:lnSpc>
+            </a:pPr>
             <a:r>
               <a:rPr lang="en-GB" sz="1600" b="1" dirty="0">
                 <a:solidFill>
@@ -35463,6 +35455,11 @@
             </a:r>
           </a:p>
           <a:p>
+            <a:pPr>
+              <a:lnSpc>
+                <a:spcPct val="150000"/>
+              </a:lnSpc>
+            </a:pPr>
             <a:r>
               <a:rPr lang="en-GB" sz="1600" b="1" dirty="0">
                 <a:solidFill>
@@ -35525,6 +35522,11 @@
             </a:endParaRPr>
           </a:p>
           <a:p>
+            <a:pPr>
+              <a:lnSpc>
+                <a:spcPct val="150000"/>
+              </a:lnSpc>
+            </a:pPr>
             <a:r>
               <a:rPr lang="en-GB" sz="1600" b="1" dirty="0">
                 <a:solidFill>
@@ -35590,6 +35592,11 @@
             </a:r>
           </a:p>
           <a:p>
+            <a:pPr>
+              <a:lnSpc>
+                <a:spcPct val="150000"/>
+              </a:lnSpc>
+            </a:pPr>
             <a:r>
               <a:rPr lang="en-GB" sz="1600" b="1" dirty="0">
                 <a:solidFill>
@@ -35653,8 +35660,6 @@
               </a:rPr>
               <a:t>// Person -no subject</a:t>
             </a:r>
-          </a:p>
-          <a:p>
             <a:endParaRPr lang="en-GB" sz="1600" b="1" dirty="0">
               <a:solidFill>
                 <a:srgbClr val="000000"/>
@@ -35663,6 +35668,11 @@
             </a:endParaRPr>
           </a:p>
           <a:p>
+            <a:pPr>
+              <a:lnSpc>
+                <a:spcPct val="150000"/>
+              </a:lnSpc>
+            </a:pPr>
             <a:r>
               <a:rPr lang="en-GB" sz="1600" b="1" dirty="0">
                 <a:solidFill>
@@ -35719,6 +35729,11 @@
             </a:r>
           </a:p>
           <a:p>
+            <a:pPr>
+              <a:lnSpc>
+                <a:spcPct val="150000"/>
+              </a:lnSpc>
+            </a:pPr>
             <a:r>
               <a:rPr lang="en-GB" sz="1600" b="1" dirty="0">
                 <a:solidFill>
@@ -35784,6 +35799,11 @@
             </a:r>
           </a:p>
           <a:p>
+            <a:pPr>
+              <a:lnSpc>
+                <a:spcPct val="150000"/>
+              </a:lnSpc>
+            </a:pPr>
             <a:r>
               <a:rPr lang="en-GB" sz="1600" b="1" dirty="0">
                 <a:solidFill>
@@ -36024,6 +36044,57 @@
                 <a:latin typeface="Consolas" panose="020B0609020204030204" pitchFamily="49" charset="0"/>
               </a:rPr>
               <a:t>}</a:t>
+            </a:r>
+          </a:p>
+        </p:txBody>
+      </p:sp>
+      <p:sp>
+        <p:nvSpPr>
+          <p:cNvPr id="10" name="Rectangle 9"/>
+          <p:cNvSpPr>
+            <a:spLocks noChangeArrowheads="1"/>
+          </p:cNvSpPr>
+          <p:nvPr/>
+        </p:nvSpPr>
+        <p:spPr bwMode="auto">
+          <a:xfrm>
+            <a:off x="2944034" y="6036075"/>
+            <a:ext cx="5096931" cy="369332"/>
+          </a:xfrm>
+          <a:prstGeom prst="rect">
+            <a:avLst/>
+          </a:prstGeom>
+          <a:solidFill>
+            <a:schemeClr val="bg1"/>
+          </a:solidFill>
+          <a:ln w="19050">
+            <a:noFill/>
+            <a:miter lim="800000"/>
+            <a:headEnd/>
+            <a:tailEnd/>
+          </a:ln>
+          <a:effectLst>
+            <a:outerShdw blurRad="50800" dist="38100" algn="l" rotWithShape="0">
+              <a:prstClr val="black">
+                <a:alpha val="40000"/>
+              </a:prstClr>
+            </a:outerShdw>
+          </a:effectLst>
+        </p:spPr>
+        <p:txBody>
+          <a:bodyPr wrap="square" anchor="ctr">
+            <a:spAutoFit/>
+          </a:bodyPr>
+          <a:lstStyle/>
+          <a:p>
+            <a:pPr algn="ctr" eaLnBrk="0" hangingPunct="0">
+              <a:spcBef>
+                <a:spcPct val="50000"/>
+              </a:spcBef>
+            </a:pPr>
+            <a:r>
+              <a:rPr lang="en-GB" b="1" dirty="0"/>
+              <a:t>Compiles but will it crash at runtime?</a:t>
             </a:r>
           </a:p>
         </p:txBody>
@@ -45185,20 +45256,12 @@
 </file>
 
 <file path=customXml/item1.xml><?xml version="1.0" encoding="utf-8"?>
-<p:properties xmlns:p="http://schemas.microsoft.com/office/2006/metadata/properties" xmlns:xsi="http://www.w3.org/2001/XMLSchema-instance" xmlns:pc="http://schemas.microsoft.com/office/infopath/2007/PartnerControls">
-  <documentManagement>
-    <SequenceNumber xmlns="6794D9DE-4FDF-4DC0-8B2C-5438320C69D5" xsi:nil="true"/>
-    <IsBuildFile xmlns="6794D9DE-4FDF-4DC0-8B2C-5438320C69D5" xsi:nil="true"/>
-    <BookTypeField0 xmlns="6794D9DE-4FDF-4DC0-8B2C-5438320C69D5">
-      <Terms xmlns="http://schemas.microsoft.com/office/infopath/2007/PartnerControls">
-        <TermInfo xmlns="http://schemas.microsoft.com/office/infopath/2007/PartnerControls">
-          <TermName xmlns="http://schemas.microsoft.com/office/infopath/2007/PartnerControls">IK</TermName>
-          <TermId xmlns="http://schemas.microsoft.com/office/infopath/2007/PartnerControls">5abe6401-e87a-4499-80b4-3d21a1a6ebd7</TermId>
-        </TermInfo>
-      </Terms>
-    </BookTypeField0>
-  </documentManagement>
-</p:properties>
+<?mso-contentType ?>
+<FormTemplates xmlns="http://schemas.microsoft.com/sharepoint/v3/contenttype/forms">
+  <Display>DocumentLibraryForm</Display>
+  <Edit>DocumentLibraryForm</Edit>
+  <New>DocumentLibraryForm</New>
+</FormTemplates>
 </file>
 
 <file path=customXml/item2.xml><?xml version="1.0" encoding="utf-8"?>
@@ -45342,26 +45405,26 @@
 </file>
 
 <file path=customXml/item3.xml><?xml version="1.0" encoding="utf-8"?>
-<?mso-contentType ?>
-<FormTemplates xmlns="http://schemas.microsoft.com/sharepoint/v3/contenttype/forms">
-  <Display>DocumentLibraryForm</Display>
-  <Edit>DocumentLibraryForm</Edit>
-  <New>DocumentLibraryForm</New>
-</FormTemplates>
+<p:properties xmlns:p="http://schemas.microsoft.com/office/2006/metadata/properties" xmlns:xsi="http://www.w3.org/2001/XMLSchema-instance" xmlns:pc="http://schemas.microsoft.com/office/infopath/2007/PartnerControls">
+  <documentManagement>
+    <SequenceNumber xmlns="6794D9DE-4FDF-4DC0-8B2C-5438320C69D5" xsi:nil="true"/>
+    <IsBuildFile xmlns="6794D9DE-4FDF-4DC0-8B2C-5438320C69D5" xsi:nil="true"/>
+    <BookTypeField0 xmlns="6794D9DE-4FDF-4DC0-8B2C-5438320C69D5">
+      <Terms xmlns="http://schemas.microsoft.com/office/infopath/2007/PartnerControls">
+        <TermInfo xmlns="http://schemas.microsoft.com/office/infopath/2007/PartnerControls">
+          <TermName xmlns="http://schemas.microsoft.com/office/infopath/2007/PartnerControls">IK</TermName>
+          <TermId xmlns="http://schemas.microsoft.com/office/infopath/2007/PartnerControls">5abe6401-e87a-4499-80b4-3d21a1a6ebd7</TermId>
+        </TermInfo>
+      </Terms>
+    </BookTypeField0>
+  </documentManagement>
+</p:properties>
 </file>
 
 <file path=customXml/itemProps1.xml><?xml version="1.0" encoding="utf-8"?>
-<ds:datastoreItem xmlns:ds="http://schemas.openxmlformats.org/officeDocument/2006/customXml" ds:itemID="{8B002782-C0E5-4A6E-ADDD-C83D4552F6A7}">
+<ds:datastoreItem xmlns:ds="http://schemas.openxmlformats.org/officeDocument/2006/customXml" ds:itemID="{49B953F8-652C-430A-8D9D-5F0B70E6D45D}">
   <ds:schemaRefs>
-    <ds:schemaRef ds:uri="http://schemas.microsoft.com/office/infopath/2007/PartnerControls"/>
-    <ds:schemaRef ds:uri="http://www.w3.org/XML/1998/namespace"/>
-    <ds:schemaRef ds:uri="http://purl.org/dc/dcmitype/"/>
-    <ds:schemaRef ds:uri="http://schemas.openxmlformats.org/package/2006/metadata/core-properties"/>
-    <ds:schemaRef ds:uri="http://purl.org/dc/terms/"/>
-    <ds:schemaRef ds:uri="http://schemas.microsoft.com/office/2006/documentManagement/types"/>
-    <ds:schemaRef ds:uri="http://purl.org/dc/elements/1.1/"/>
-    <ds:schemaRef ds:uri="6794D9DE-4FDF-4DC0-8B2C-5438320C69D5"/>
-    <ds:schemaRef ds:uri="http://schemas.microsoft.com/office/2006/metadata/properties"/>
+    <ds:schemaRef ds:uri="http://schemas.microsoft.com/sharepoint/v3/contenttype/forms"/>
   </ds:schemaRefs>
 </ds:datastoreItem>
 </file>
@@ -45385,9 +45448,17 @@
 </file>
 
 <file path=customXml/itemProps3.xml><?xml version="1.0" encoding="utf-8"?>
-<ds:datastoreItem xmlns:ds="http://schemas.openxmlformats.org/officeDocument/2006/customXml" ds:itemID="{49B953F8-652C-430A-8D9D-5F0B70E6D45D}">
+<ds:datastoreItem xmlns:ds="http://schemas.openxmlformats.org/officeDocument/2006/customXml" ds:itemID="{8B002782-C0E5-4A6E-ADDD-C83D4552F6A7}">
   <ds:schemaRefs>
-    <ds:schemaRef ds:uri="http://schemas.microsoft.com/sharepoint/v3/contenttype/forms"/>
+    <ds:schemaRef ds:uri="http://schemas.microsoft.com/office/infopath/2007/PartnerControls"/>
+    <ds:schemaRef ds:uri="http://www.w3.org/XML/1998/namespace"/>
+    <ds:schemaRef ds:uri="http://purl.org/dc/dcmitype/"/>
+    <ds:schemaRef ds:uri="http://schemas.openxmlformats.org/package/2006/metadata/core-properties"/>
+    <ds:schemaRef ds:uri="http://purl.org/dc/terms/"/>
+    <ds:schemaRef ds:uri="http://schemas.microsoft.com/office/2006/documentManagement/types"/>
+    <ds:schemaRef ds:uri="http://purl.org/dc/elements/1.1/"/>
+    <ds:schemaRef ds:uri="6794D9DE-4FDF-4DC0-8B2C-5438320C69D5"/>
+    <ds:schemaRef ds:uri="http://schemas.microsoft.com/office/2006/metadata/properties"/>
   </ds:schemaRefs>
 </ds:datastoreItem>
 </file>
--- a/08-Polymorphism.pptx
+++ b/08-Polymorphism.pptx
@@ -5,10 +5,10 @@
     <p:sldMasterId id="2147483648" r:id="rId4"/>
   </p:sldMasterIdLst>
   <p:notesMasterIdLst>
-    <p:notesMasterId r:id="rId22"/>
+    <p:notesMasterId r:id="rId23"/>
   </p:notesMasterIdLst>
   <p:handoutMasterIdLst>
-    <p:handoutMasterId r:id="rId23"/>
+    <p:handoutMasterId r:id="rId24"/>
   </p:handoutMasterIdLst>
   <p:sldIdLst>
     <p:sldId id="1560" r:id="rId5"/>
@@ -23,16 +23,17 @@
     <p:sldId id="807" r:id="rId14"/>
     <p:sldId id="809" r:id="rId15"/>
     <p:sldId id="810" r:id="rId16"/>
-    <p:sldId id="820" r:id="rId17"/>
-    <p:sldId id="821" r:id="rId18"/>
-    <p:sldId id="822" r:id="rId19"/>
-    <p:sldId id="824" r:id="rId20"/>
-    <p:sldId id="823" r:id="rId21"/>
+    <p:sldId id="825" r:id="rId17"/>
+    <p:sldId id="820" r:id="rId18"/>
+    <p:sldId id="821" r:id="rId19"/>
+    <p:sldId id="822" r:id="rId20"/>
+    <p:sldId id="824" r:id="rId21"/>
+    <p:sldId id="823" r:id="rId22"/>
   </p:sldIdLst>
   <p:sldSz cx="12192000" cy="6858000"/>
   <p:notesSz cx="6645275" cy="9775825"/>
   <p:custDataLst>
-    <p:tags r:id="rId24"/>
+    <p:tags r:id="rId25"/>
   </p:custDataLst>
   <p:defaultTextStyle>
     <a:defPPr>
@@ -146,6 +147,7 @@
             <p14:sldId id="807"/>
             <p14:sldId id="809"/>
             <p14:sldId id="810"/>
+            <p14:sldId id="825"/>
             <p14:sldId id="820"/>
             <p14:sldId id="821"/>
             <p14:sldId id="822"/>
@@ -7046,6 +7048,90 @@
   <p:cSld>
     <p:spTree>
       <p:nvGrpSpPr>
+        <p:cNvPr id="1" name="">
+          <a:extLst>
+            <a:ext uri="{FF2B5EF4-FFF2-40B4-BE49-F238E27FC236}">
+              <a16:creationId xmlns:a16="http://schemas.microsoft.com/office/drawing/2014/main" id="{9687E079-1D71-A738-6A68-15446AC8D0C7}"/>
+            </a:ext>
+          </a:extLst>
+        </p:cNvPr>
+        <p:cNvGrpSpPr/>
+        <p:nvPr/>
+      </p:nvGrpSpPr>
+      <p:grpSpPr>
+        <a:xfrm>
+          <a:off x="0" y="0"/>
+          <a:ext cx="0" cy="0"/>
+          <a:chOff x="0" y="0"/>
+          <a:chExt cx="0" cy="0"/>
+        </a:xfrm>
+      </p:grpSpPr>
+      <p:sp>
+        <p:nvSpPr>
+          <p:cNvPr id="27650" name="Rectangle 2">
+            <a:extLst>
+              <a:ext uri="{FF2B5EF4-FFF2-40B4-BE49-F238E27FC236}">
+                <a16:creationId xmlns:a16="http://schemas.microsoft.com/office/drawing/2014/main" id="{1BF6582D-624A-D533-F951-16C7F50941DD}"/>
+              </a:ext>
+            </a:extLst>
+          </p:cNvPr>
+          <p:cNvSpPr>
+            <a:spLocks noGrp="1" noRot="1" noChangeAspect="1" noChangeArrowheads="1" noTextEdit="1"/>
+          </p:cNvSpPr>
+          <p:nvPr>
+            <p:ph type="sldImg"/>
+          </p:nvPr>
+        </p:nvSpPr>
+        <p:spPr>
+          <a:ln/>
+        </p:spPr>
+      </p:sp>
+      <p:sp>
+        <p:nvSpPr>
+          <p:cNvPr id="27651" name="Rectangle 3">
+            <a:extLst>
+              <a:ext uri="{FF2B5EF4-FFF2-40B4-BE49-F238E27FC236}">
+                <a16:creationId xmlns:a16="http://schemas.microsoft.com/office/drawing/2014/main" id="{5816F3A0-4941-548D-773E-873DAE307D6D}"/>
+              </a:ext>
+            </a:extLst>
+          </p:cNvPr>
+          <p:cNvSpPr>
+            <a:spLocks noGrp="1" noChangeArrowheads="1"/>
+          </p:cNvSpPr>
+          <p:nvPr>
+            <p:ph type="body" idx="1"/>
+          </p:nvPr>
+        </p:nvSpPr>
+        <p:spPr>
+          <a:noFill/>
+          <a:ln/>
+        </p:spPr>
+        <p:txBody>
+          <a:bodyPr/>
+          <a:lstStyle/>
+          <a:p>
+            <a:endParaRPr lang="en-GB" dirty="0"/>
+          </a:p>
+        </p:txBody>
+      </p:sp>
+    </p:spTree>
+    <p:extLst>
+      <p:ext uri="{BB962C8B-B14F-4D97-AF65-F5344CB8AC3E}">
+        <p14:creationId xmlns:p14="http://schemas.microsoft.com/office/powerpoint/2010/main" val="3264251119"/>
+      </p:ext>
+    </p:extLst>
+  </p:cSld>
+  <p:clrMapOvr>
+    <a:masterClrMapping/>
+  </p:clrMapOvr>
+</p:notes>
+</file>
+
+<file path=ppt/notesSlides/notesSlide14.xml><?xml version="1.0" encoding="utf-8"?>
+<p:notes xmlns:a="http://schemas.openxmlformats.org/drawingml/2006/main" xmlns:r="http://schemas.openxmlformats.org/officeDocument/2006/relationships" xmlns:p="http://schemas.openxmlformats.org/presentationml/2006/main">
+  <p:cSld>
+    <p:spTree>
+      <p:nvGrpSpPr>
         <p:cNvPr id="1" name=""/>
         <p:cNvGrpSpPr/>
         <p:nvPr/>
@@ -7172,7 +7258,7 @@
             <a:fld id="{548901C6-1DA1-FB44-ABEE-06A0FEB7738E}" type="slidenum">
               <a:rPr lang="en-GB" smtClean="0"/>
               <a:pPr/>
-              <a:t>13</a:t>
+              <a:t>14</a:t>
             </a:fld>
             <a:endParaRPr lang="en-GB"/>
           </a:p>
@@ -7191,7 +7277,7 @@
 </p:notes>
 </file>
 
-<file path=ppt/notesSlides/notesSlide14.xml><?xml version="1.0" encoding="utf-8"?>
+<file path=ppt/notesSlides/notesSlide15.xml><?xml version="1.0" encoding="utf-8"?>
 <p:notes xmlns:a="http://schemas.openxmlformats.org/drawingml/2006/main" xmlns:r="http://schemas.openxmlformats.org/officeDocument/2006/relationships" xmlns:p="http://schemas.openxmlformats.org/presentationml/2006/main">
   <p:cSld>
     <p:spTree>
@@ -7400,7 +7486,7 @@
             <a:fld id="{548901C6-1DA1-FB44-ABEE-06A0FEB7738E}" type="slidenum">
               <a:rPr lang="en-GB" smtClean="0"/>
               <a:pPr/>
-              <a:t>14</a:t>
+              <a:t>15</a:t>
             </a:fld>
             <a:endParaRPr lang="en-GB"/>
           </a:p>
@@ -7419,7 +7505,7 @@
 </p:notes>
 </file>
 
-<file path=ppt/notesSlides/notesSlide15.xml><?xml version="1.0" encoding="utf-8"?>
+<file path=ppt/notesSlides/notesSlide16.xml><?xml version="1.0" encoding="utf-8"?>
 <p:notes xmlns:a="http://schemas.openxmlformats.org/drawingml/2006/main" xmlns:r="http://schemas.openxmlformats.org/officeDocument/2006/relationships" xmlns:p="http://schemas.openxmlformats.org/presentationml/2006/main">
   <p:cSld>
     <p:spTree>
@@ -7514,7 +7600,7 @@
             <a:fld id="{548901C6-1DA1-FB44-ABEE-06A0FEB7738E}" type="slidenum">
               <a:rPr lang="en-GB" smtClean="0"/>
               <a:pPr/>
-              <a:t>15</a:t>
+              <a:t>16</a:t>
             </a:fld>
             <a:endParaRPr lang="en-GB"/>
           </a:p>
@@ -7533,7 +7619,7 @@
 </p:notes>
 </file>
 
-<file path=ppt/notesSlides/notesSlide16.xml><?xml version="1.0" encoding="utf-8"?>
+<file path=ppt/notesSlides/notesSlide17.xml><?xml version="1.0" encoding="utf-8"?>
 <p:notes xmlns:a="http://schemas.openxmlformats.org/drawingml/2006/main" xmlns:r="http://schemas.openxmlformats.org/officeDocument/2006/relationships" xmlns:p="http://schemas.openxmlformats.org/presentationml/2006/main">
   <p:cSld>
     <p:spTree>
@@ -7604,7 +7690,7 @@
             <a:fld id="{548901C6-1DA1-FB44-ABEE-06A0FEB7738E}" type="slidenum">
               <a:rPr lang="en-GB" smtClean="0"/>
               <a:pPr/>
-              <a:t>16</a:t>
+              <a:t>17</a:t>
             </a:fld>
             <a:endParaRPr lang="en-GB"/>
           </a:p>
@@ -7623,7 +7709,7 @@
 </p:notes>
 </file>
 
-<file path=ppt/notesSlides/notesSlide17.xml><?xml version="1.0" encoding="utf-8"?>
+<file path=ppt/notesSlides/notesSlide18.xml><?xml version="1.0" encoding="utf-8"?>
 <p:notes xmlns:a="http://schemas.openxmlformats.org/drawingml/2006/main" xmlns:r="http://schemas.openxmlformats.org/officeDocument/2006/relationships" xmlns:p="http://schemas.openxmlformats.org/presentationml/2006/main">
   <p:cSld>
     <p:spTree>
@@ -7694,7 +7780,7 @@
             <a:fld id="{548901C6-1DA1-FB44-ABEE-06A0FEB7738E}" type="slidenum">
               <a:rPr lang="en-GB" smtClean="0"/>
               <a:pPr/>
-              <a:t>17</a:t>
+              <a:t>18</a:t>
             </a:fld>
             <a:endParaRPr lang="en-GB"/>
           </a:p>
@@ -35342,7 +35428,7 @@
         </p:nvSpPr>
         <p:spPr>
           <a:xfrm>
-            <a:off x="1546752" y="3544899"/>
+            <a:off x="1546752" y="3660649"/>
             <a:ext cx="9416320" cy="2638094"/>
           </a:xfrm>
           <a:prstGeom prst="rect">
@@ -36058,7 +36144,7 @@
         </p:nvSpPr>
         <p:spPr bwMode="auto">
           <a:xfrm>
-            <a:off x="2944034" y="6036075"/>
+            <a:off x="2944034" y="6151825"/>
             <a:ext cx="5096931" cy="369332"/>
           </a:xfrm>
           <a:prstGeom prst="rect">
@@ -36251,8 +36337,8 @@
         </p:nvSpPr>
         <p:spPr>
           <a:xfrm>
-            <a:off x="1328188" y="2704224"/>
-            <a:ext cx="9533818" cy="2862322"/>
+            <a:off x="1329091" y="2376310"/>
+            <a:ext cx="9533818" cy="4108817"/>
           </a:xfrm>
           <a:prstGeom prst="rect">
             <a:avLst/>
@@ -36280,6 +36366,11 @@
           </a:bodyPr>
           <a:lstStyle/>
           <a:p>
+            <a:pPr>
+              <a:lnSpc>
+                <a:spcPct val="150000"/>
+              </a:lnSpc>
+            </a:pPr>
             <a:r>
               <a:rPr lang="en-GB" b="1" dirty="0">
                 <a:solidFill>
@@ -36345,6 +36436,11 @@
             </a:r>
           </a:p>
           <a:p>
+            <a:pPr>
+              <a:lnSpc>
+                <a:spcPct val="150000"/>
+              </a:lnSpc>
+            </a:pPr>
             <a:endParaRPr lang="en-GB" b="1" dirty="0">
               <a:solidFill>
                 <a:srgbClr val="000000"/>
@@ -36353,6 +36449,11 @@
             </a:endParaRPr>
           </a:p>
           <a:p>
+            <a:pPr>
+              <a:lnSpc>
+                <a:spcPct val="150000"/>
+              </a:lnSpc>
+            </a:pPr>
             <a:r>
               <a:rPr lang="en-GB" b="1" dirty="0">
                 <a:solidFill>
@@ -36415,6 +36516,11 @@
             </a:endParaRPr>
           </a:p>
           <a:p>
+            <a:pPr>
+              <a:lnSpc>
+                <a:spcPct val="150000"/>
+              </a:lnSpc>
+            </a:pPr>
             <a:r>
               <a:rPr lang="en-GB" b="1" dirty="0">
                 <a:solidFill>
@@ -36480,6 +36586,11 @@
             </a:r>
           </a:p>
           <a:p>
+            <a:pPr>
+              <a:lnSpc>
+                <a:spcPct val="150000"/>
+              </a:lnSpc>
+            </a:pPr>
             <a:endParaRPr lang="en-GB" b="1" dirty="0">
               <a:solidFill>
                 <a:srgbClr val="000000"/>
@@ -36488,6 +36599,11 @@
             </a:endParaRPr>
           </a:p>
           <a:p>
+            <a:pPr>
+              <a:lnSpc>
+                <a:spcPct val="150000"/>
+              </a:lnSpc>
+            </a:pPr>
             <a:r>
               <a:rPr lang="en-GB" b="1" dirty="0">
                 <a:solidFill>
@@ -36549,10 +36665,15 @@
                 </a:solidFill>
                 <a:latin typeface="Consolas" panose="020B0609020204030204" pitchFamily="49" charset="0"/>
               </a:rPr>
-              <a:t> Student) {</a:t>
-            </a:r>
-          </a:p>
-          <a:p>
+              <a:t> Student) {			</a:t>
+            </a:r>
+          </a:p>
+          <a:p>
+            <a:pPr>
+              <a:lnSpc>
+                <a:spcPct val="150000"/>
+              </a:lnSpc>
+            </a:pPr>
             <a:r>
               <a:rPr lang="en-GB" b="1" dirty="0">
                 <a:solidFill>
@@ -36563,13 +36684,31 @@
               <a:t>    Student </a:t>
             </a:r>
             <a:r>
+              <a:rPr lang="en-GB" b="1" dirty="0" err="1">
+                <a:solidFill>
+                  <a:srgbClr val="6A3E3E"/>
+                </a:solidFill>
+                <a:latin typeface="Consolas" panose="020B0609020204030204" pitchFamily="49" charset="0"/>
+              </a:rPr>
+              <a:t>stu</a:t>
+            </a:r>
+            <a:r>
               <a:rPr lang="en-GB" b="1" dirty="0">
                 <a:solidFill>
+                  <a:srgbClr val="000000"/>
+                </a:solidFill>
+                <a:latin typeface="Consolas" panose="020B0609020204030204" pitchFamily="49" charset="0"/>
+              </a:rPr>
+              <a:t> = (Student) </a:t>
+            </a:r>
+            <a:r>
+              <a:rPr lang="en-GB" b="1" dirty="0">
+                <a:solidFill>
                   <a:srgbClr val="6A3E3E"/>
                 </a:solidFill>
                 <a:latin typeface="Consolas" panose="020B0609020204030204" pitchFamily="49" charset="0"/>
               </a:rPr>
-              <a:t>s</a:t>
+              <a:t>p</a:t>
             </a:r>
             <a:r>
               <a:rPr lang="en-GB" b="1" dirty="0">
@@ -36578,16 +36717,68 @@
                 </a:solidFill>
                 <a:latin typeface="Consolas" panose="020B0609020204030204" pitchFamily="49" charset="0"/>
               </a:rPr>
-              <a:t> = (Student) </a:t>
+              <a:t>; 	      </a:t>
             </a:r>
             <a:r>
               <a:rPr lang="en-GB" b="1" dirty="0">
                 <a:solidFill>
+                  <a:srgbClr val="3F7F5F"/>
+                </a:solidFill>
+                <a:latin typeface="Consolas" panose="020B0609020204030204" pitchFamily="49" charset="0"/>
+              </a:rPr>
+              <a:t>// cast to Student type</a:t>
+            </a:r>
+          </a:p>
+          <a:p>
+            <a:pPr>
+              <a:lnSpc>
+                <a:spcPct val="150000"/>
+              </a:lnSpc>
+            </a:pPr>
+            <a:r>
+              <a:rPr lang="en-GB" b="1" dirty="0">
+                <a:solidFill>
+                  <a:srgbClr val="000000"/>
+                </a:solidFill>
+                <a:latin typeface="Consolas" panose="020B0609020204030204" pitchFamily="49" charset="0"/>
+              </a:rPr>
+              <a:t>    </a:t>
+            </a:r>
+            <a:r>
+              <a:rPr lang="en-GB" b="1" dirty="0" err="1">
+                <a:solidFill>
+                  <a:srgbClr val="000000"/>
+                </a:solidFill>
+                <a:latin typeface="Consolas" panose="020B0609020204030204" pitchFamily="49" charset="0"/>
+              </a:rPr>
+              <a:t>Console.WriteLine</a:t>
+            </a:r>
+            <a:r>
+              <a:rPr lang="en-GB" b="1" dirty="0">
+                <a:solidFill>
+                  <a:srgbClr val="000000"/>
+                </a:solidFill>
+                <a:latin typeface="Consolas" panose="020B0609020204030204" pitchFamily="49" charset="0"/>
+              </a:rPr>
+              <a:t>(</a:t>
+            </a:r>
+            <a:r>
+              <a:rPr lang="en-GB" b="1" dirty="0" err="1">
+                <a:solidFill>
                   <a:srgbClr val="6A3E3E"/>
                 </a:solidFill>
                 <a:latin typeface="Consolas" panose="020B0609020204030204" pitchFamily="49" charset="0"/>
               </a:rPr>
-              <a:t>p</a:t>
+              <a:t>stu</a:t>
+            </a:r>
+            <a:r>
+              <a:rPr lang="en-GB" b="1" dirty="0" err="1">
+                <a:solidFill>
+                  <a:srgbClr val="000000"/>
+                </a:solidFill>
+                <a:latin typeface="Consolas" panose="020B0609020204030204" pitchFamily="49" charset="0"/>
+              </a:rPr>
+              <a:t>.getSubject</a:t>
             </a:r>
             <a:r>
               <a:rPr lang="en-GB" b="1" dirty="0">
@@ -36596,7 +36787,7 @@
                 </a:solidFill>
                 <a:latin typeface="Consolas" panose="020B0609020204030204" pitchFamily="49" charset="0"/>
               </a:rPr>
-              <a:t>; 	       	    </a:t>
+              <a:t>());  </a:t>
             </a:r>
             <a:r>
               <a:rPr lang="en-GB" b="1" dirty="0">
@@ -36605,75 +36796,15 @@
                 </a:solidFill>
                 <a:latin typeface="Consolas" panose="020B0609020204030204" pitchFamily="49" charset="0"/>
               </a:rPr>
-              <a:t>// cast to Student type</a:t>
-            </a:r>
-          </a:p>
-          <a:p>
-            <a:r>
-              <a:rPr lang="en-GB" b="1" dirty="0">
-                <a:solidFill>
-                  <a:srgbClr val="000000"/>
-                </a:solidFill>
-                <a:latin typeface="Consolas" panose="020B0609020204030204" pitchFamily="49" charset="0"/>
-              </a:rPr>
-              <a:t>    </a:t>
-            </a:r>
-            <a:r>
-              <a:rPr lang="en-GB" b="1" dirty="0" err="1">
-                <a:solidFill>
-                  <a:srgbClr val="000000"/>
-                </a:solidFill>
-                <a:latin typeface="Consolas" panose="020B0609020204030204" pitchFamily="49" charset="0"/>
-              </a:rPr>
-              <a:t>Console.WriteLine</a:t>
-            </a:r>
-            <a:r>
-              <a:rPr lang="en-GB" b="1" dirty="0">
-                <a:solidFill>
-                  <a:srgbClr val="000000"/>
-                </a:solidFill>
-                <a:latin typeface="Consolas" panose="020B0609020204030204" pitchFamily="49" charset="0"/>
-              </a:rPr>
-              <a:t>(</a:t>
-            </a:r>
-            <a:r>
-              <a:rPr lang="en-GB" b="1" dirty="0" err="1">
-                <a:solidFill>
-                  <a:srgbClr val="6A3E3E"/>
-                </a:solidFill>
-                <a:latin typeface="Consolas" panose="020B0609020204030204" pitchFamily="49" charset="0"/>
-              </a:rPr>
-              <a:t>s</a:t>
-            </a:r>
-            <a:r>
-              <a:rPr lang="en-GB" b="1" dirty="0" err="1">
-                <a:solidFill>
-                  <a:srgbClr val="000000"/>
-                </a:solidFill>
-                <a:latin typeface="Consolas" panose="020B0609020204030204" pitchFamily="49" charset="0"/>
-              </a:rPr>
-              <a:t>.getSubject</a:t>
-            </a:r>
-            <a:r>
-              <a:rPr lang="en-GB" b="1" dirty="0">
-                <a:solidFill>
-                  <a:srgbClr val="000000"/>
-                </a:solidFill>
-                <a:latin typeface="Consolas" panose="020B0609020204030204" pitchFamily="49" charset="0"/>
-              </a:rPr>
-              <a:t>());  </a:t>
-            </a:r>
-            <a:r>
-              <a:rPr lang="en-GB" b="1" dirty="0">
-                <a:solidFill>
-                  <a:srgbClr val="3F7F5F"/>
-                </a:solidFill>
-                <a:latin typeface="Consolas" panose="020B0609020204030204" pitchFamily="49" charset="0"/>
-              </a:rPr>
               <a:t>// only a Student has a Subject</a:t>
             </a:r>
           </a:p>
           <a:p>
+            <a:pPr>
+              <a:lnSpc>
+                <a:spcPct val="150000"/>
+              </a:lnSpc>
+            </a:pPr>
             <a:r>
               <a:rPr lang="en-GB" b="1" dirty="0">
                 <a:solidFill>
@@ -36702,7 +36833,7 @@
         </p:nvSpPr>
         <p:spPr>
           <a:xfrm>
-            <a:off x="763946" y="4497768"/>
+            <a:off x="763946" y="5020988"/>
             <a:ext cx="505267" cy="523220"/>
           </a:xfrm>
           <a:prstGeom prst="rect">
@@ -36761,6 +36892,741 @@
 </file>
 
 <file path=ppt/slides/slide13.xml><?xml version="1.0" encoding="utf-8"?>
+<p:sld xmlns:a="http://schemas.openxmlformats.org/drawingml/2006/main" xmlns:r="http://schemas.openxmlformats.org/officeDocument/2006/relationships" xmlns:p="http://schemas.openxmlformats.org/presentationml/2006/main">
+  <p:cSld>
+    <p:spTree>
+      <p:nvGrpSpPr>
+        <p:cNvPr id="1" name="">
+          <a:extLst>
+            <a:ext uri="{FF2B5EF4-FFF2-40B4-BE49-F238E27FC236}">
+              <a16:creationId xmlns:a16="http://schemas.microsoft.com/office/drawing/2014/main" id="{8AEC68F7-816D-A3E2-8C29-B271F0F51736}"/>
+            </a:ext>
+          </a:extLst>
+        </p:cNvPr>
+        <p:cNvGrpSpPr/>
+        <p:nvPr/>
+      </p:nvGrpSpPr>
+      <p:grpSpPr>
+        <a:xfrm>
+          <a:off x="0" y="0"/>
+          <a:ext cx="0" cy="0"/>
+          <a:chOff x="0" y="0"/>
+          <a:chExt cx="0" cy="0"/>
+        </a:xfrm>
+      </p:grpSpPr>
+      <p:sp>
+        <p:nvSpPr>
+          <p:cNvPr id="11266" name="Rectangle 2">
+            <a:extLst>
+              <a:ext uri="{FF2B5EF4-FFF2-40B4-BE49-F238E27FC236}">
+                <a16:creationId xmlns:a16="http://schemas.microsoft.com/office/drawing/2014/main" id="{90A4F8F1-60D1-6BE5-1031-FA3AB6A55F0D}"/>
+              </a:ext>
+            </a:extLst>
+          </p:cNvPr>
+          <p:cNvSpPr>
+            <a:spLocks noGrp="1" noChangeArrowheads="1"/>
+          </p:cNvSpPr>
+          <p:nvPr>
+            <p:ph type="title"/>
+          </p:nvPr>
+        </p:nvSpPr>
+        <p:spPr/>
+        <p:txBody>
+          <a:bodyPr/>
+          <a:lstStyle/>
+          <a:p>
+            <a:pPr eaLnBrk="1" hangingPunct="1"/>
+            <a:r>
+              <a:rPr lang="en-GB" dirty="0"/>
+              <a:t>Using     </a:t>
+            </a:r>
+            <a:r>
+              <a:rPr lang="en-GB" b="1" dirty="0">
+                <a:solidFill>
+                  <a:srgbClr val="0000FF"/>
+                </a:solidFill>
+                <a:latin typeface="Consolas" panose="020B0609020204030204" pitchFamily="49" charset="0"/>
+                <a:ea typeface="+mn-ea"/>
+                <a:cs typeface="+mn-cs"/>
+              </a:rPr>
+              <a:t>AS</a:t>
+            </a:r>
+            <a:endParaRPr lang="en-GB" sz="1800" b="1" dirty="0">
+              <a:solidFill>
+                <a:srgbClr val="0000FF"/>
+              </a:solidFill>
+              <a:latin typeface="Consolas" panose="020B0609020204030204" pitchFamily="49" charset="0"/>
+              <a:ea typeface="+mn-ea"/>
+              <a:cs typeface="+mn-cs"/>
+            </a:endParaRPr>
+          </a:p>
+        </p:txBody>
+      </p:sp>
+      <p:sp>
+        <p:nvSpPr>
+          <p:cNvPr id="818180" name="Rectangle 4">
+            <a:extLst>
+              <a:ext uri="{FF2B5EF4-FFF2-40B4-BE49-F238E27FC236}">
+                <a16:creationId xmlns:a16="http://schemas.microsoft.com/office/drawing/2014/main" id="{ED8DA95E-561E-4CE3-7690-214B160CE398}"/>
+              </a:ext>
+            </a:extLst>
+          </p:cNvPr>
+          <p:cNvSpPr>
+            <a:spLocks noChangeArrowheads="1"/>
+          </p:cNvSpPr>
+          <p:nvPr/>
+        </p:nvSpPr>
+        <p:spPr bwMode="auto">
+          <a:xfrm>
+            <a:off x="882317" y="1566469"/>
+            <a:ext cx="8675041" cy="4112023"/>
+          </a:xfrm>
+          <a:prstGeom prst="rect">
+            <a:avLst/>
+          </a:prstGeom>
+          <a:solidFill>
+            <a:schemeClr val="accent5">
+              <a:lumMod val="20000"/>
+              <a:lumOff val="80000"/>
+            </a:schemeClr>
+          </a:solidFill>
+          <a:ln w="19050">
+            <a:noFill/>
+            <a:miter lim="800000"/>
+            <a:headEnd/>
+            <a:tailEnd/>
+          </a:ln>
+          <a:effectLst>
+            <a:outerShdw blurRad="50800" dist="38100" algn="l" rotWithShape="0">
+              <a:prstClr val="black">
+                <a:alpha val="40000"/>
+              </a:prstClr>
+            </a:outerShdw>
+          </a:effectLst>
+        </p:spPr>
+        <p:txBody>
+          <a:bodyPr wrap="square" lIns="90488" tIns="44450" rIns="0" bIns="44450">
+            <a:spAutoFit/>
+          </a:bodyPr>
+          <a:lstStyle/>
+          <a:p>
+            <a:pPr>
+              <a:lnSpc>
+                <a:spcPct val="150000"/>
+              </a:lnSpc>
+            </a:pPr>
+            <a:r>
+              <a:rPr lang="en-GB" sz="1600" b="1" dirty="0">
+                <a:solidFill>
+                  <a:srgbClr val="000000"/>
+                </a:solidFill>
+                <a:latin typeface="Consolas" panose="020B0609020204030204" pitchFamily="49" charset="0"/>
+              </a:rPr>
+              <a:t>Person[] </a:t>
+            </a:r>
+            <a:r>
+              <a:rPr lang="en-GB" sz="1600" b="1" dirty="0">
+                <a:solidFill>
+                  <a:srgbClr val="6A3E3E"/>
+                </a:solidFill>
+                <a:latin typeface="Consolas" panose="020B0609020204030204" pitchFamily="49" charset="0"/>
+              </a:rPr>
+              <a:t>people</a:t>
+            </a:r>
+            <a:r>
+              <a:rPr lang="en-GB" sz="1600" b="1" dirty="0">
+                <a:solidFill>
+                  <a:srgbClr val="000000"/>
+                </a:solidFill>
+                <a:latin typeface="Consolas" panose="020B0609020204030204" pitchFamily="49" charset="0"/>
+              </a:rPr>
+              <a:t> = { </a:t>
+            </a:r>
+            <a:r>
+              <a:rPr lang="en-GB" sz="1600" b="1" dirty="0">
+                <a:solidFill>
+                  <a:srgbClr val="7F0055"/>
+                </a:solidFill>
+                <a:latin typeface="Consolas" panose="020B0609020204030204" pitchFamily="49" charset="0"/>
+              </a:rPr>
+              <a:t>new</a:t>
+            </a:r>
+            <a:r>
+              <a:rPr lang="en-GB" sz="1600" b="1" dirty="0">
+                <a:solidFill>
+                  <a:srgbClr val="000000"/>
+                </a:solidFill>
+                <a:latin typeface="Consolas" panose="020B0609020204030204" pitchFamily="49" charset="0"/>
+              </a:rPr>
+              <a:t> Person(), </a:t>
+            </a:r>
+            <a:r>
+              <a:rPr lang="en-GB" sz="1600" b="1" dirty="0">
+                <a:solidFill>
+                  <a:srgbClr val="7F0055"/>
+                </a:solidFill>
+                <a:latin typeface="Consolas" panose="020B0609020204030204" pitchFamily="49" charset="0"/>
+              </a:rPr>
+              <a:t>new</a:t>
+            </a:r>
+            <a:r>
+              <a:rPr lang="en-GB" sz="1600" b="1" dirty="0">
+                <a:solidFill>
+                  <a:srgbClr val="000000"/>
+                </a:solidFill>
+                <a:latin typeface="Consolas" panose="020B0609020204030204" pitchFamily="49" charset="0"/>
+              </a:rPr>
+              <a:t> Student() };</a:t>
+            </a:r>
+          </a:p>
+          <a:p>
+            <a:pPr>
+              <a:lnSpc>
+                <a:spcPct val="150000"/>
+              </a:lnSpc>
+            </a:pPr>
+            <a:endParaRPr lang="en-GB" sz="1600" b="1" dirty="0">
+              <a:solidFill>
+                <a:srgbClr val="000000"/>
+              </a:solidFill>
+              <a:latin typeface="Consolas" panose="020B0609020204030204" pitchFamily="49" charset="0"/>
+            </a:endParaRPr>
+          </a:p>
+          <a:p>
+            <a:pPr>
+              <a:lnSpc>
+                <a:spcPct val="150000"/>
+              </a:lnSpc>
+            </a:pPr>
+            <a:r>
+              <a:rPr lang="en-GB" sz="1600" b="1" dirty="0">
+                <a:solidFill>
+                  <a:srgbClr val="7F0055"/>
+                </a:solidFill>
+                <a:latin typeface="Consolas" panose="020B0609020204030204" pitchFamily="49" charset="0"/>
+              </a:rPr>
+              <a:t>foreach</a:t>
+            </a:r>
+            <a:r>
+              <a:rPr lang="en-GB" sz="1600" b="1" dirty="0">
+                <a:solidFill>
+                  <a:srgbClr val="000000"/>
+                </a:solidFill>
+                <a:latin typeface="Consolas" panose="020B0609020204030204" pitchFamily="49" charset="0"/>
+              </a:rPr>
+              <a:t>(Person </a:t>
+            </a:r>
+            <a:r>
+              <a:rPr lang="en-GB" sz="1600" b="1" dirty="0">
+                <a:solidFill>
+                  <a:srgbClr val="6A3E3E"/>
+                </a:solidFill>
+                <a:latin typeface="Consolas" panose="020B0609020204030204" pitchFamily="49" charset="0"/>
+              </a:rPr>
+              <a:t>p</a:t>
+            </a:r>
+            <a:r>
+              <a:rPr lang="en-GB" sz="1600" b="1" dirty="0">
+                <a:solidFill>
+                  <a:srgbClr val="000000"/>
+                </a:solidFill>
+                <a:latin typeface="Consolas" panose="020B0609020204030204" pitchFamily="49" charset="0"/>
+              </a:rPr>
+              <a:t> in </a:t>
+            </a:r>
+            <a:r>
+              <a:rPr lang="en-GB" sz="1600" b="1" dirty="0">
+                <a:solidFill>
+                  <a:srgbClr val="6A3E3E"/>
+                </a:solidFill>
+                <a:latin typeface="Consolas" panose="020B0609020204030204" pitchFamily="49" charset="0"/>
+              </a:rPr>
+              <a:t>people</a:t>
+            </a:r>
+            <a:r>
+              <a:rPr lang="en-GB" sz="1600" b="1" dirty="0">
+                <a:solidFill>
+                  <a:srgbClr val="000000"/>
+                </a:solidFill>
+                <a:latin typeface="Consolas" panose="020B0609020204030204" pitchFamily="49" charset="0"/>
+              </a:rPr>
+              <a:t>) {   		</a:t>
+            </a:r>
+            <a:endParaRPr lang="en-GB" sz="1600" b="1" dirty="0">
+              <a:solidFill>
+                <a:srgbClr val="3F7F5F"/>
+              </a:solidFill>
+              <a:latin typeface="Consolas" panose="020B0609020204030204" pitchFamily="49" charset="0"/>
+            </a:endParaRPr>
+          </a:p>
+          <a:p>
+            <a:pPr>
+              <a:lnSpc>
+                <a:spcPct val="150000"/>
+              </a:lnSpc>
+            </a:pPr>
+            <a:r>
+              <a:rPr lang="en-GB" sz="1600" b="1" dirty="0">
+                <a:solidFill>
+                  <a:srgbClr val="000000"/>
+                </a:solidFill>
+                <a:latin typeface="Consolas" panose="020B0609020204030204" pitchFamily="49" charset="0"/>
+              </a:rPr>
+              <a:t>    </a:t>
+            </a:r>
+            <a:r>
+              <a:rPr lang="en-GB" sz="1600" b="1" dirty="0" err="1">
+                <a:solidFill>
+                  <a:srgbClr val="000000"/>
+                </a:solidFill>
+                <a:latin typeface="Consolas" panose="020B0609020204030204" pitchFamily="49" charset="0"/>
+              </a:rPr>
+              <a:t>Console.WriteLine</a:t>
+            </a:r>
+            <a:r>
+              <a:rPr lang="en-GB" sz="1600" b="1" dirty="0">
+                <a:solidFill>
+                  <a:srgbClr val="000000"/>
+                </a:solidFill>
+                <a:latin typeface="Consolas" panose="020B0609020204030204" pitchFamily="49" charset="0"/>
+              </a:rPr>
+              <a:t>(</a:t>
+            </a:r>
+            <a:r>
+              <a:rPr lang="en-GB" sz="1600" b="1" dirty="0" err="1">
+                <a:solidFill>
+                  <a:srgbClr val="6A3E3E"/>
+                </a:solidFill>
+                <a:latin typeface="Consolas" panose="020B0609020204030204" pitchFamily="49" charset="0"/>
+              </a:rPr>
+              <a:t>p</a:t>
+            </a:r>
+            <a:r>
+              <a:rPr lang="en-GB" sz="1600" b="1" dirty="0" err="1">
+                <a:solidFill>
+                  <a:srgbClr val="000000"/>
+                </a:solidFill>
+                <a:latin typeface="Consolas" panose="020B0609020204030204" pitchFamily="49" charset="0"/>
+              </a:rPr>
+              <a:t>.getName</a:t>
+            </a:r>
+            <a:r>
+              <a:rPr lang="en-GB" sz="1600" b="1" dirty="0">
+                <a:solidFill>
+                  <a:srgbClr val="000000"/>
+                </a:solidFill>
+                <a:latin typeface="Consolas" panose="020B0609020204030204" pitchFamily="49" charset="0"/>
+              </a:rPr>
+              <a:t>());	    </a:t>
+            </a:r>
+            <a:r>
+              <a:rPr lang="en-GB" sz="1600" b="1" dirty="0">
+                <a:solidFill>
+                  <a:srgbClr val="3F7F5F"/>
+                </a:solidFill>
+                <a:latin typeface="Consolas" panose="020B0609020204030204" pitchFamily="49" charset="0"/>
+              </a:rPr>
+              <a:t>// Every Person has a name</a:t>
+            </a:r>
+          </a:p>
+          <a:p>
+            <a:pPr>
+              <a:lnSpc>
+                <a:spcPct val="150000"/>
+              </a:lnSpc>
+            </a:pPr>
+            <a:endParaRPr lang="en-GB" sz="1600" b="1" dirty="0">
+              <a:solidFill>
+                <a:srgbClr val="000000"/>
+              </a:solidFill>
+              <a:latin typeface="Consolas" panose="020B0609020204030204" pitchFamily="49" charset="0"/>
+            </a:endParaRPr>
+          </a:p>
+          <a:p>
+            <a:pPr>
+              <a:lnSpc>
+                <a:spcPct val="150000"/>
+              </a:lnSpc>
+            </a:pPr>
+            <a:endParaRPr lang="en-GB" sz="1600" b="1" dirty="0">
+              <a:solidFill>
+                <a:srgbClr val="000000"/>
+              </a:solidFill>
+              <a:latin typeface="Consolas" panose="020B0609020204030204" pitchFamily="49" charset="0"/>
+            </a:endParaRPr>
+          </a:p>
+          <a:p>
+            <a:pPr>
+              <a:lnSpc>
+                <a:spcPct val="150000"/>
+              </a:lnSpc>
+            </a:pPr>
+            <a:r>
+              <a:rPr lang="en-GB" sz="1600" b="1" dirty="0">
+                <a:solidFill>
+                  <a:srgbClr val="000000"/>
+                </a:solidFill>
+                <a:latin typeface="Consolas" panose="020B0609020204030204" pitchFamily="49" charset="0"/>
+              </a:rPr>
+              <a:t> var </a:t>
+            </a:r>
+            <a:r>
+              <a:rPr lang="en-GB" sz="1600" b="1" dirty="0" err="1">
+                <a:solidFill>
+                  <a:srgbClr val="000000"/>
+                </a:solidFill>
+                <a:latin typeface="Consolas" panose="020B0609020204030204" pitchFamily="49" charset="0"/>
+              </a:rPr>
+              <a:t>stu</a:t>
+            </a:r>
+            <a:r>
+              <a:rPr lang="en-GB" sz="1600" b="1" dirty="0">
+                <a:solidFill>
+                  <a:srgbClr val="000000"/>
+                </a:solidFill>
+                <a:latin typeface="Consolas" panose="020B0609020204030204" pitchFamily="49" charset="0"/>
+              </a:rPr>
+              <a:t> = (</a:t>
+            </a:r>
+            <a:r>
+              <a:rPr lang="en-GB" sz="1600" b="1" dirty="0">
+                <a:solidFill>
+                  <a:srgbClr val="6A3E3E"/>
+                </a:solidFill>
+                <a:latin typeface="Consolas" panose="020B0609020204030204" pitchFamily="49" charset="0"/>
+              </a:rPr>
+              <a:t>p</a:t>
+            </a:r>
+            <a:r>
+              <a:rPr lang="en-GB" sz="1600" b="1" dirty="0">
+                <a:solidFill>
+                  <a:srgbClr val="000000"/>
+                </a:solidFill>
+                <a:latin typeface="Consolas" panose="020B0609020204030204" pitchFamily="49" charset="0"/>
+              </a:rPr>
+              <a:t> </a:t>
+            </a:r>
+            <a:r>
+              <a:rPr lang="en-GB" sz="1600" b="1" dirty="0">
+                <a:solidFill>
+                  <a:srgbClr val="7F0055"/>
+                </a:solidFill>
+                <a:latin typeface="Consolas" panose="020B0609020204030204" pitchFamily="49" charset="0"/>
+              </a:rPr>
+              <a:t>as</a:t>
+            </a:r>
+            <a:r>
+              <a:rPr lang="en-GB" sz="1600" b="1" dirty="0">
+                <a:solidFill>
+                  <a:srgbClr val="000000"/>
+                </a:solidFill>
+                <a:latin typeface="Consolas" panose="020B0609020204030204" pitchFamily="49" charset="0"/>
+              </a:rPr>
+              <a:t> Student);</a:t>
+            </a:r>
+          </a:p>
+          <a:p>
+            <a:pPr>
+              <a:lnSpc>
+                <a:spcPct val="150000"/>
+              </a:lnSpc>
+            </a:pPr>
+            <a:r>
+              <a:rPr lang="en-GB" sz="1600" b="1" dirty="0">
+                <a:solidFill>
+                  <a:srgbClr val="000000"/>
+                </a:solidFill>
+                <a:latin typeface="Consolas" panose="020B0609020204030204" pitchFamily="49" charset="0"/>
+              </a:rPr>
+              <a:t> </a:t>
+            </a:r>
+            <a:r>
+              <a:rPr lang="en-GB" sz="1600" b="1" dirty="0">
+                <a:solidFill>
+                  <a:srgbClr val="7F0055"/>
+                </a:solidFill>
+                <a:latin typeface="Consolas" panose="020B0609020204030204" pitchFamily="49" charset="0"/>
+              </a:rPr>
+              <a:t>if</a:t>
+            </a:r>
+            <a:r>
+              <a:rPr lang="en-GB" sz="1600" b="1" dirty="0">
+                <a:solidFill>
+                  <a:srgbClr val="000000"/>
+                </a:solidFill>
+                <a:latin typeface="Consolas" panose="020B0609020204030204" pitchFamily="49" charset="0"/>
+              </a:rPr>
+              <a:t> (</a:t>
+            </a:r>
+            <a:r>
+              <a:rPr lang="en-GB" sz="1600" b="1" dirty="0" err="1">
+                <a:solidFill>
+                  <a:srgbClr val="6A3E3E"/>
+                </a:solidFill>
+                <a:latin typeface="Consolas" panose="020B0609020204030204" pitchFamily="49" charset="0"/>
+              </a:rPr>
+              <a:t>stu</a:t>
+            </a:r>
+            <a:r>
+              <a:rPr lang="en-GB" sz="1600" b="1" dirty="0">
+                <a:solidFill>
+                  <a:srgbClr val="000000"/>
+                </a:solidFill>
+                <a:latin typeface="Consolas" panose="020B0609020204030204" pitchFamily="49" charset="0"/>
+              </a:rPr>
+              <a:t> != null) {				       	</a:t>
+            </a:r>
+            <a:endParaRPr lang="en-GB" sz="1600" b="1" dirty="0">
+              <a:solidFill>
+                <a:srgbClr val="3F7F5F"/>
+              </a:solidFill>
+              <a:latin typeface="Consolas" panose="020B0609020204030204" pitchFamily="49" charset="0"/>
+            </a:endParaRPr>
+          </a:p>
+          <a:p>
+            <a:pPr>
+              <a:lnSpc>
+                <a:spcPct val="150000"/>
+              </a:lnSpc>
+            </a:pPr>
+            <a:r>
+              <a:rPr lang="en-GB" sz="1600" b="1" dirty="0">
+                <a:solidFill>
+                  <a:srgbClr val="000000"/>
+                </a:solidFill>
+                <a:latin typeface="Consolas" panose="020B0609020204030204" pitchFamily="49" charset="0"/>
+              </a:rPr>
+              <a:t>    </a:t>
+            </a:r>
+            <a:r>
+              <a:rPr lang="en-GB" sz="1600" b="1" dirty="0" err="1">
+                <a:solidFill>
+                  <a:srgbClr val="000000"/>
+                </a:solidFill>
+                <a:latin typeface="Consolas" panose="020B0609020204030204" pitchFamily="49" charset="0"/>
+              </a:rPr>
+              <a:t>Console.WriteLine</a:t>
+            </a:r>
+            <a:r>
+              <a:rPr lang="en-GB" sz="1600" b="1" dirty="0">
+                <a:solidFill>
+                  <a:srgbClr val="000000"/>
+                </a:solidFill>
+                <a:latin typeface="Consolas" panose="020B0609020204030204" pitchFamily="49" charset="0"/>
+              </a:rPr>
+              <a:t>(</a:t>
+            </a:r>
+            <a:r>
+              <a:rPr lang="en-GB" sz="1600" b="1" dirty="0" err="1">
+                <a:solidFill>
+                  <a:srgbClr val="6A3E3E"/>
+                </a:solidFill>
+                <a:latin typeface="Consolas" panose="020B0609020204030204" pitchFamily="49" charset="0"/>
+              </a:rPr>
+              <a:t>stu</a:t>
+            </a:r>
+            <a:r>
+              <a:rPr lang="en-GB" sz="1600" b="1" dirty="0" err="1">
+                <a:solidFill>
+                  <a:srgbClr val="000000"/>
+                </a:solidFill>
+                <a:latin typeface="Consolas" panose="020B0609020204030204" pitchFamily="49" charset="0"/>
+              </a:rPr>
+              <a:t>.getSubject</a:t>
+            </a:r>
+            <a:r>
+              <a:rPr lang="en-GB" sz="1600" b="1" dirty="0">
+                <a:solidFill>
+                  <a:srgbClr val="000000"/>
+                </a:solidFill>
+                <a:latin typeface="Consolas" panose="020B0609020204030204" pitchFamily="49" charset="0"/>
+              </a:rPr>
+              <a:t>());  </a:t>
+            </a:r>
+            <a:endParaRPr lang="en-GB" sz="1600" b="1" dirty="0">
+              <a:solidFill>
+                <a:srgbClr val="3F7F5F"/>
+              </a:solidFill>
+              <a:latin typeface="Consolas" panose="020B0609020204030204" pitchFamily="49" charset="0"/>
+            </a:endParaRPr>
+          </a:p>
+          <a:p>
+            <a:pPr>
+              <a:lnSpc>
+                <a:spcPct val="150000"/>
+              </a:lnSpc>
+            </a:pPr>
+            <a:r>
+              <a:rPr lang="en-GB" sz="1600" b="1" dirty="0">
+                <a:solidFill>
+                  <a:srgbClr val="000000"/>
+                </a:solidFill>
+                <a:latin typeface="Consolas" panose="020B0609020204030204" pitchFamily="49" charset="0"/>
+              </a:rPr>
+              <a:t> }</a:t>
+            </a:r>
+          </a:p>
+          <a:p>
+            <a:pPr defTabSz="739775" eaLnBrk="0" hangingPunct="0">
+              <a:lnSpc>
+                <a:spcPct val="150000"/>
+              </a:lnSpc>
+              <a:tabLst>
+                <a:tab pos="347663" algn="l"/>
+                <a:tab pos="685800" algn="l"/>
+                <a:tab pos="1033463" algn="l"/>
+                <a:tab pos="1371600" algn="l"/>
+                <a:tab pos="1719263" algn="l"/>
+                <a:tab pos="2057400" algn="l"/>
+                <a:tab pos="2405063" algn="l"/>
+                <a:tab pos="2743200" algn="l"/>
+              </a:tabLst>
+              <a:defRPr/>
+            </a:pPr>
+            <a:endParaRPr lang="en-GB" sz="1600" b="1" dirty="0">
+              <a:solidFill>
+                <a:srgbClr val="000000"/>
+              </a:solidFill>
+              <a:latin typeface="Lucida Console" pitchFamily="49" charset="0"/>
+            </a:endParaRPr>
+          </a:p>
+        </p:txBody>
+      </p:sp>
+      <p:sp>
+        <p:nvSpPr>
+          <p:cNvPr id="9" name="AutoShape 7">
+            <a:extLst>
+              <a:ext uri="{FF2B5EF4-FFF2-40B4-BE49-F238E27FC236}">
+                <a16:creationId xmlns:a16="http://schemas.microsoft.com/office/drawing/2014/main" id="{8715B97A-D1B2-D0D2-7B93-9445DA569E95}"/>
+              </a:ext>
+            </a:extLst>
+          </p:cNvPr>
+          <p:cNvSpPr>
+            <a:spLocks/>
+          </p:cNvSpPr>
+          <p:nvPr/>
+        </p:nvSpPr>
+        <p:spPr bwMode="auto">
+          <a:xfrm>
+            <a:off x="4804018" y="3813874"/>
+            <a:ext cx="3444243" cy="384175"/>
+          </a:xfrm>
+          <a:prstGeom prst="borderCallout2">
+            <a:avLst>
+              <a:gd name="adj1" fmla="val 29750"/>
+              <a:gd name="adj2" fmla="val -2833"/>
+              <a:gd name="adj3" fmla="val 29750"/>
+              <a:gd name="adj4" fmla="val -2833"/>
+              <a:gd name="adj5" fmla="val 31167"/>
+              <a:gd name="adj6" fmla="val -24709"/>
+            </a:avLst>
+          </a:prstGeom>
+          <a:solidFill>
+            <a:srgbClr val="FFCCFF"/>
+          </a:solidFill>
+          <a:ln w="19050">
+            <a:noFill/>
+            <a:miter lim="800000"/>
+            <a:headEnd/>
+            <a:tailEnd/>
+          </a:ln>
+          <a:effectLst>
+            <a:outerShdw blurRad="50800" dist="38100" algn="l" rotWithShape="0">
+              <a:prstClr val="black">
+                <a:alpha val="40000"/>
+              </a:prstClr>
+            </a:outerShdw>
+          </a:effectLst>
+        </p:spPr>
+        <p:txBody>
+          <a:bodyPr/>
+          <a:lstStyle/>
+          <a:p>
+            <a:pPr algn="ctr" eaLnBrk="0" hangingPunct="0">
+              <a:defRPr/>
+            </a:pPr>
+            <a:r>
+              <a:rPr lang="en-GB" sz="1400" dirty="0"/>
+              <a:t>Tries to cast to a Student reference </a:t>
+            </a:r>
+          </a:p>
+        </p:txBody>
+      </p:sp>
+      <p:sp>
+        <p:nvSpPr>
+          <p:cNvPr id="4" name="AutoShape 7">
+            <a:extLst>
+              <a:ext uri="{FF2B5EF4-FFF2-40B4-BE49-F238E27FC236}">
+                <a16:creationId xmlns:a16="http://schemas.microsoft.com/office/drawing/2014/main" id="{40A72DA1-5B68-2172-6CE5-74C1CB7C4D0E}"/>
+              </a:ext>
+            </a:extLst>
+          </p:cNvPr>
+          <p:cNvSpPr>
+            <a:spLocks/>
+          </p:cNvSpPr>
+          <p:nvPr/>
+        </p:nvSpPr>
+        <p:spPr bwMode="auto">
+          <a:xfrm>
+            <a:off x="5649044" y="4397459"/>
+            <a:ext cx="2599217" cy="384175"/>
+          </a:xfrm>
+          <a:prstGeom prst="borderCallout2">
+            <a:avLst>
+              <a:gd name="adj1" fmla="val 29750"/>
+              <a:gd name="adj2" fmla="val -2833"/>
+              <a:gd name="adj3" fmla="val 29750"/>
+              <a:gd name="adj4" fmla="val -2833"/>
+              <a:gd name="adj5" fmla="val 31167"/>
+              <a:gd name="adj6" fmla="val -24709"/>
+            </a:avLst>
+          </a:prstGeom>
+          <a:solidFill>
+            <a:srgbClr val="FFCCFF"/>
+          </a:solidFill>
+          <a:ln w="19050">
+            <a:noFill/>
+            <a:miter lim="800000"/>
+            <a:headEnd/>
+            <a:tailEnd/>
+          </a:ln>
+          <a:effectLst>
+            <a:outerShdw blurRad="50800" dist="38100" algn="l" rotWithShape="0">
+              <a:prstClr val="black">
+                <a:alpha val="40000"/>
+              </a:prstClr>
+            </a:outerShdw>
+          </a:effectLst>
+        </p:spPr>
+        <p:txBody>
+          <a:bodyPr/>
+          <a:lstStyle/>
+          <a:p>
+            <a:pPr algn="ctr" eaLnBrk="0" hangingPunct="0">
+              <a:defRPr/>
+            </a:pPr>
+            <a:r>
+              <a:rPr lang="en-GB" sz="1400" dirty="0"/>
+              <a:t>If the Cast was valid</a:t>
+            </a:r>
+          </a:p>
+        </p:txBody>
+      </p:sp>
+    </p:spTree>
+    <p:extLst>
+      <p:ext uri="{BB962C8B-B14F-4D97-AF65-F5344CB8AC3E}">
+        <p14:creationId xmlns:p14="http://schemas.microsoft.com/office/powerpoint/2010/main" val="3705395775"/>
+      </p:ext>
+    </p:extLst>
+  </p:cSld>
+  <p:clrMapOvr>
+    <a:masterClrMapping/>
+  </p:clrMapOvr>
+  <p:transition/>
+</p:sld>
+</file>
+
+<file path=ppt/slides/slide14.xml><?xml version="1.0" encoding="utf-8"?>
 <p:sld xmlns:a="http://schemas.openxmlformats.org/drawingml/2006/main" xmlns:r="http://schemas.openxmlformats.org/officeDocument/2006/relationships" xmlns:p="http://schemas.openxmlformats.org/presentationml/2006/main">
   <p:cSld>
     <p:spTree>
@@ -37398,7 +38264,7 @@
 </p:sld>
 </file>
 
-<file path=ppt/slides/slide14.xml><?xml version="1.0" encoding="utf-8"?>
+<file path=ppt/slides/slide15.xml><?xml version="1.0" encoding="utf-8"?>
 <p:sld xmlns:a="http://schemas.openxmlformats.org/drawingml/2006/main" xmlns:r="http://schemas.openxmlformats.org/officeDocument/2006/relationships" xmlns:p="http://schemas.openxmlformats.org/presentationml/2006/main">
   <p:cSld>
     <p:spTree>
@@ -37731,7 +38597,7 @@
 </p:sld>
 </file>
 
-<file path=ppt/slides/slide15.xml><?xml version="1.0" encoding="utf-8"?>
+<file path=ppt/slides/slide16.xml><?xml version="1.0" encoding="utf-8"?>
 <p:sld xmlns:a="http://schemas.openxmlformats.org/drawingml/2006/main" xmlns:r="http://schemas.openxmlformats.org/officeDocument/2006/relationships" xmlns:p="http://schemas.openxmlformats.org/presentationml/2006/main">
   <p:cSld>
     <p:spTree>
@@ -37786,7 +38652,7 @@
                   <a:spcPts val="600"/>
                 </a:spcAft>
               </a:pPr>
-              <a:t>15</a:t>
+              <a:t>16</a:t>
             </a:fld>
             <a:endParaRPr lang="en-GB"/>
           </a:p>
@@ -37864,7 +38730,7 @@
 </p:sld>
 </file>
 
-<file path=ppt/slides/slide16.xml><?xml version="1.0" encoding="utf-8"?>
+<file path=ppt/slides/slide17.xml><?xml version="1.0" encoding="utf-8"?>
 <p:sld xmlns:a="http://schemas.openxmlformats.org/drawingml/2006/main" xmlns:r="http://schemas.openxmlformats.org/officeDocument/2006/relationships" xmlns:p="http://schemas.openxmlformats.org/presentationml/2006/main">
   <p:cSld>
     <p:spTree>
@@ -38033,7 +38899,7 @@
 </p:sld>
 </file>
 
-<file path=ppt/slides/slide17.xml><?xml version="1.0" encoding="utf-8"?>
+<file path=ppt/slides/slide18.xml><?xml version="1.0" encoding="utf-8"?>
 <p:sld xmlns:a="http://schemas.openxmlformats.org/drawingml/2006/main" xmlns:r="http://schemas.openxmlformats.org/officeDocument/2006/relationships" xmlns:p="http://schemas.openxmlformats.org/presentationml/2006/main">
   <p:cSld>
     <p:spTree>
@@ -41665,7 +42531,7 @@
                             </p:stCondLst>
                             <p:childTnLst>
                               <p:par>
-                                <p:cTn id="5" presetID="1" presetClass="entr" presetSubtype="0" fill="hold" nodeType="clickEffect">
+                                <p:cTn id="5" presetID="10" presetClass="entr" presetSubtype="0" fill="hold" nodeType="clickEffect">
                                   <p:stCondLst>
                                     <p:cond delay="0"/>
                                   </p:stCondLst>
@@ -41673,6 +42539,75 @@
                                     <p:set>
                                       <p:cBhvr>
                                         <p:cTn id="6" dur="1" fill="hold">
+                                          <p:stCondLst>
+                                            <p:cond delay="0"/>
+                                          </p:stCondLst>
+                                        </p:cTn>
+                                        <p:tgtEl>
+                                          <p:spTgt spid="9"/>
+                                        </p:tgtEl>
+                                        <p:attrNameLst>
+                                          <p:attrName>style.visibility</p:attrName>
+                                        </p:attrNameLst>
+                                      </p:cBhvr>
+                                      <p:to>
+                                        <p:strVal val="visible"/>
+                                      </p:to>
+                                    </p:set>
+                                    <p:animEffect transition="in" filter="fade">
+                                      <p:cBhvr>
+                                        <p:cTn id="7" dur="500"/>
+                                        <p:tgtEl>
+                                          <p:spTgt spid="9"/>
+                                        </p:tgtEl>
+                                      </p:cBhvr>
+                                    </p:animEffect>
+                                  </p:childTnLst>
+                                  <p:subTnLst>
+                                    <p:set>
+                                      <p:cBhvr override="childStyle">
+                                        <p:cTn dur="1" fill="hold" display="0" masterRel="nextClick" afterEffect="1"/>
+                                        <p:tgtEl>
+                                          <p:spTgt spid="9"/>
+                                        </p:tgtEl>
+                                        <p:attrNameLst>
+                                          <p:attrName>style.visibility</p:attrName>
+                                        </p:attrNameLst>
+                                      </p:cBhvr>
+                                      <p:to>
+                                        <p:strVal val="hidden"/>
+                                      </p:to>
+                                    </p:set>
+                                  </p:subTnLst>
+                                </p:cTn>
+                              </p:par>
+                            </p:childTnLst>
+                          </p:cTn>
+                        </p:par>
+                      </p:childTnLst>
+                    </p:cTn>
+                  </p:par>
+                  <p:par>
+                    <p:cTn id="8" fill="hold">
+                      <p:stCondLst>
+                        <p:cond delay="indefinite"/>
+                      </p:stCondLst>
+                      <p:childTnLst>
+                        <p:par>
+                          <p:cTn id="9" fill="hold">
+                            <p:stCondLst>
+                              <p:cond delay="0"/>
+                            </p:stCondLst>
+                            <p:childTnLst>
+                              <p:par>
+                                <p:cTn id="10" presetID="1" presetClass="entr" presetSubtype="0" fill="hold" nodeType="clickEffect">
+                                  <p:stCondLst>
+                                    <p:cond delay="0"/>
+                                  </p:stCondLst>
+                                  <p:childTnLst>
+                                    <p:set>
+                                      <p:cBhvr>
+                                        <p:cTn id="11" dur="1" fill="hold">
                                           <p:stCondLst>
                                             <p:cond delay="0"/>
                                           </p:stCondLst>
@@ -41689,6 +42624,22 @@
                                       </p:to>
                                     </p:set>
                                   </p:childTnLst>
+                                  <p:subTnLst>
+                                    <p:set>
+                                      <p:cBhvr override="childStyle">
+                                        <p:cTn dur="1" fill="hold" display="0" masterRel="nextClick" afterEffect="1"/>
+                                        <p:tgtEl>
+                                          <p:spTgt spid="27"/>
+                                        </p:tgtEl>
+                                        <p:attrNameLst>
+                                          <p:attrName>style.visibility</p:attrName>
+                                        </p:attrNameLst>
+                                      </p:cBhvr>
+                                      <p:to>
+                                        <p:strVal val="hidden"/>
+                                      </p:to>
+                                    </p:set>
+                                  </p:subTnLst>
                                 </p:cTn>
                               </p:par>
                             </p:childTnLst>
@@ -41698,26 +42649,26 @@
                     </p:cTn>
                   </p:par>
                   <p:par>
-                    <p:cTn id="7" fill="hold">
+                    <p:cTn id="12" fill="hold">
                       <p:stCondLst>
                         <p:cond delay="indefinite"/>
                       </p:stCondLst>
                       <p:childTnLst>
                         <p:par>
-                          <p:cTn id="8" fill="hold">
+                          <p:cTn id="13" fill="hold">
                             <p:stCondLst>
                               <p:cond delay="0"/>
                             </p:stCondLst>
                             <p:childTnLst>
                               <p:par>
-                                <p:cTn id="9" presetID="1" presetClass="entr" presetSubtype="0" fill="hold" nodeType="clickEffect">
+                                <p:cTn id="14" presetID="1" presetClass="entr" presetSubtype="0" fill="hold" nodeType="clickEffect">
                                   <p:stCondLst>
                                     <p:cond delay="0"/>
                                   </p:stCondLst>
                                   <p:childTnLst>
                                     <p:set>
                                       <p:cBhvr>
-                                        <p:cTn id="10" dur="1" fill="hold">
+                                        <p:cTn id="15" dur="1" fill="hold">
                                           <p:stCondLst>
                                             <p:cond delay="0"/>
                                           </p:stCondLst>
@@ -43530,7 +44481,7 @@
             </a:pPr>
             <a:r>
               <a:rPr lang="en-GB" b="1" dirty="0"/>
-              <a:t>Best use the </a:t>
+              <a:t>Must use the </a:t>
             </a:r>
             <a:r>
               <a:rPr lang="en-GB" sz="2000" b="1" dirty="0">
@@ -45256,15 +46207,6 @@
 </file>
 
 <file path=customXml/item1.xml><?xml version="1.0" encoding="utf-8"?>
-<?mso-contentType ?>
-<FormTemplates xmlns="http://schemas.microsoft.com/sharepoint/v3/contenttype/forms">
-  <Display>DocumentLibraryForm</Display>
-  <Edit>DocumentLibraryForm</Edit>
-  <New>DocumentLibraryForm</New>
-</FormTemplates>
-</file>
-
-<file path=customXml/item2.xml><?xml version="1.0" encoding="utf-8"?>
 <ct:contentTypeSchema xmlns:ct="http://schemas.microsoft.com/office/2006/metadata/contentType" xmlns:ma="http://schemas.microsoft.com/office/2006/metadata/properties/metaAttributes" ct:_="" ma:_="" ma:contentTypeName="Courseware" ma:contentTypeID="0x010100F0967B7CEE8D417F966757887D9466FB00B3EF5B1D149FDF49B1880C030D548140" ma:contentTypeVersion="0" ma:contentTypeDescription="Base content type which represents courseware documents" ma:contentTypeScope="" ma:versionID="ab0d7ca79e0ea5a537b031f986da336c">
   <xsd:schema xmlns:xsd="http://www.w3.org/2001/XMLSchema" xmlns:xs="http://www.w3.org/2001/XMLSchema" xmlns:p="http://schemas.microsoft.com/office/2006/metadata/properties" xmlns:ns2="6794D9DE-4FDF-4DC0-8B2C-5438320C69D5" targetNamespace="http://schemas.microsoft.com/office/2006/metadata/properties" ma:root="true" ma:fieldsID="7ff8e7c62cc10108c036e94c947d8fb9" ns2:_="">
     <xsd:import namespace="6794D9DE-4FDF-4DC0-8B2C-5438320C69D5"/>
@@ -45404,7 +46346,7 @@
 </ct:contentTypeSchema>
 </file>
 
-<file path=customXml/item3.xml><?xml version="1.0" encoding="utf-8"?>
+<file path=customXml/item2.xml><?xml version="1.0" encoding="utf-8"?>
 <p:properties xmlns:p="http://schemas.microsoft.com/office/2006/metadata/properties" xmlns:xsi="http://www.w3.org/2001/XMLSchema-instance" xmlns:pc="http://schemas.microsoft.com/office/infopath/2007/PartnerControls">
   <documentManagement>
     <SequenceNumber xmlns="6794D9DE-4FDF-4DC0-8B2C-5438320C69D5" xsi:nil="true"/>
@@ -45421,15 +46363,16 @@
 </p:properties>
 </file>
 
-<file path=customXml/itemProps1.xml><?xml version="1.0" encoding="utf-8"?>
-<ds:datastoreItem xmlns:ds="http://schemas.openxmlformats.org/officeDocument/2006/customXml" ds:itemID="{49B953F8-652C-430A-8D9D-5F0B70E6D45D}">
-  <ds:schemaRefs>
-    <ds:schemaRef ds:uri="http://schemas.microsoft.com/sharepoint/v3/contenttype/forms"/>
-  </ds:schemaRefs>
-</ds:datastoreItem>
+<file path=customXml/item3.xml><?xml version="1.0" encoding="utf-8"?>
+<?mso-contentType ?>
+<FormTemplates xmlns="http://schemas.microsoft.com/sharepoint/v3/contenttype/forms">
+  <Display>DocumentLibraryForm</Display>
+  <Edit>DocumentLibraryForm</Edit>
+  <New>DocumentLibraryForm</New>
+</FormTemplates>
 </file>
 
-<file path=customXml/itemProps2.xml><?xml version="1.0" encoding="utf-8"?>
+<file path=customXml/itemProps1.xml><?xml version="1.0" encoding="utf-8"?>
 <ds:datastoreItem xmlns:ds="http://schemas.openxmlformats.org/officeDocument/2006/customXml" ds:itemID="{D707C3FC-5763-4595-8DB7-379671979954}">
   <ds:schemaRefs>
     <ds:schemaRef ds:uri="http://schemas.microsoft.com/office/2006/metadata/contentType"/>
@@ -45447,7 +46390,7 @@
 </ds:datastoreItem>
 </file>
 
-<file path=customXml/itemProps3.xml><?xml version="1.0" encoding="utf-8"?>
+<file path=customXml/itemProps2.xml><?xml version="1.0" encoding="utf-8"?>
 <ds:datastoreItem xmlns:ds="http://schemas.openxmlformats.org/officeDocument/2006/customXml" ds:itemID="{8B002782-C0E5-4A6E-ADDD-C83D4552F6A7}">
   <ds:schemaRefs>
     <ds:schemaRef ds:uri="http://schemas.microsoft.com/office/infopath/2007/PartnerControls"/>
@@ -45461,4 +46404,12 @@
     <ds:schemaRef ds:uri="http://schemas.microsoft.com/office/2006/metadata/properties"/>
   </ds:schemaRefs>
 </ds:datastoreItem>
+</file>
+
+<file path=customXml/itemProps3.xml><?xml version="1.0" encoding="utf-8"?>
+<ds:datastoreItem xmlns:ds="http://schemas.openxmlformats.org/officeDocument/2006/customXml" ds:itemID="{49B953F8-652C-430A-8D9D-5F0B70E6D45D}">
+  <ds:schemaRefs>
+    <ds:schemaRef ds:uri="http://schemas.microsoft.com/sharepoint/v3/contenttype/forms"/>
+  </ds:schemaRefs>
+</ds:datastoreItem>
 </file>
--- a/08-Polymorphism.pptx
+++ b/08-Polymorphism.pptx
@@ -1873,7 +1873,7 @@
           </a:pPr>
           <a:r>
             <a:rPr lang="en-GB" sz="2000" b="1" dirty="0"/>
-            <a:t>Java only supports single inheritance</a:t>
+            <a:t>C# only supports single inheritance</a:t>
           </a:r>
           <a:endParaRPr lang="en-US" sz="2000" dirty="0"/>
         </a:p>
@@ -2905,7 +2905,7 @@
           </a:pPr>
           <a:r>
             <a:rPr lang="en-GB" sz="2000" b="1" kern="1200" dirty="0"/>
-            <a:t>Java only supports single inheritance</a:t>
+            <a:t>C# only supports single inheritance</a:t>
           </a:r>
           <a:endParaRPr lang="en-US" sz="2000" kern="1200" dirty="0"/>
         </a:p>
@@ -6047,7 +6047,7 @@
           <a:p>
             <a:fld id="{86D088FE-3E68-47FE-8BA4-634CD34BABBC}" type="datetimeFigureOut">
               <a:rPr lang="en-GB" smtClean="0"/>
-              <a:t>10/12/2025</a:t>
+              <a:t>11/12/2025</a:t>
             </a:fld>
             <a:endParaRPr lang="en-GB"/>
           </a:p>
@@ -6218,7 +6218,7 @@
             <a:fld id="{1D6B66C6-1E92-0F4E-A300-9D4ED1F0C23F}" type="datetimeFigureOut">
               <a:rPr lang="en-GB" smtClean="0"/>
               <a:pPr/>
-              <a:t>10/12/2025</a:t>
+              <a:t>11/12/2025</a:t>
             </a:fld>
             <a:endParaRPr lang="en-GB"/>
           </a:p>
@@ -37268,7 +37268,7 @@
                 </a:solidFill>
                 <a:latin typeface="Consolas" panose="020B0609020204030204" pitchFamily="49" charset="0"/>
               </a:rPr>
-              <a:t> var </a:t>
+              <a:t> Student </a:t>
             </a:r>
             <a:r>
               <a:rPr lang="en-GB" sz="1600" b="1" dirty="0" err="1">
@@ -38701,7 +38701,7 @@
           <p:nvPr>
             <p:extLst>
               <p:ext uri="{D42A27DB-BD31-4B8C-83A1-F6EECF244321}">
-                <p14:modId xmlns:p14="http://schemas.microsoft.com/office/powerpoint/2010/main" val="3896048367"/>
+                <p14:modId xmlns:p14="http://schemas.microsoft.com/office/powerpoint/2010/main" val="816186788"/>
               </p:ext>
             </p:extLst>
           </p:nvPr>
@@ -46207,6 +46207,32 @@
 </file>
 
 <file path=customXml/item1.xml><?xml version="1.0" encoding="utf-8"?>
+<?mso-contentType ?>
+<FormTemplates xmlns="http://schemas.microsoft.com/sharepoint/v3/contenttype/forms">
+  <Display>DocumentLibraryForm</Display>
+  <Edit>DocumentLibraryForm</Edit>
+  <New>DocumentLibraryForm</New>
+</FormTemplates>
+</file>
+
+<file path=customXml/item2.xml><?xml version="1.0" encoding="utf-8"?>
+<p:properties xmlns:p="http://schemas.microsoft.com/office/2006/metadata/properties" xmlns:xsi="http://www.w3.org/2001/XMLSchema-instance" xmlns:pc="http://schemas.microsoft.com/office/infopath/2007/PartnerControls">
+  <documentManagement>
+    <SequenceNumber xmlns="6794D9DE-4FDF-4DC0-8B2C-5438320C69D5" xsi:nil="true"/>
+    <IsBuildFile xmlns="6794D9DE-4FDF-4DC0-8B2C-5438320C69D5" xsi:nil="true"/>
+    <BookTypeField0 xmlns="6794D9DE-4FDF-4DC0-8B2C-5438320C69D5">
+      <Terms xmlns="http://schemas.microsoft.com/office/infopath/2007/PartnerControls">
+        <TermInfo xmlns="http://schemas.microsoft.com/office/infopath/2007/PartnerControls">
+          <TermName xmlns="http://schemas.microsoft.com/office/infopath/2007/PartnerControls">IK</TermName>
+          <TermId xmlns="http://schemas.microsoft.com/office/infopath/2007/PartnerControls">5abe6401-e87a-4499-80b4-3d21a1a6ebd7</TermId>
+        </TermInfo>
+      </Terms>
+    </BookTypeField0>
+  </documentManagement>
+</p:properties>
+</file>
+
+<file path=customXml/item3.xml><?xml version="1.0" encoding="utf-8"?>
 <ct:contentTypeSchema xmlns:ct="http://schemas.microsoft.com/office/2006/metadata/contentType" xmlns:ma="http://schemas.microsoft.com/office/2006/metadata/properties/metaAttributes" ct:_="" ma:_="" ma:contentTypeName="Courseware" ma:contentTypeID="0x010100F0967B7CEE8D417F966757887D9466FB00B3EF5B1D149FDF49B1880C030D548140" ma:contentTypeVersion="0" ma:contentTypeDescription="Base content type which represents courseware documents" ma:contentTypeScope="" ma:versionID="ab0d7ca79e0ea5a537b031f986da336c">
   <xsd:schema xmlns:xsd="http://www.w3.org/2001/XMLSchema" xmlns:xs="http://www.w3.org/2001/XMLSchema" xmlns:p="http://schemas.microsoft.com/office/2006/metadata/properties" xmlns:ns2="6794D9DE-4FDF-4DC0-8B2C-5438320C69D5" targetNamespace="http://schemas.microsoft.com/office/2006/metadata/properties" ma:root="true" ma:fieldsID="7ff8e7c62cc10108c036e94c947d8fb9" ns2:_="">
     <xsd:import namespace="6794D9DE-4FDF-4DC0-8B2C-5438320C69D5"/>
@@ -46346,46 +46372,10 @@
 </ct:contentTypeSchema>
 </file>
 
-<file path=customXml/item2.xml><?xml version="1.0" encoding="utf-8"?>
-<p:properties xmlns:p="http://schemas.microsoft.com/office/2006/metadata/properties" xmlns:xsi="http://www.w3.org/2001/XMLSchema-instance" xmlns:pc="http://schemas.microsoft.com/office/infopath/2007/PartnerControls">
-  <documentManagement>
-    <SequenceNumber xmlns="6794D9DE-4FDF-4DC0-8B2C-5438320C69D5" xsi:nil="true"/>
-    <IsBuildFile xmlns="6794D9DE-4FDF-4DC0-8B2C-5438320C69D5" xsi:nil="true"/>
-    <BookTypeField0 xmlns="6794D9DE-4FDF-4DC0-8B2C-5438320C69D5">
-      <Terms xmlns="http://schemas.microsoft.com/office/infopath/2007/PartnerControls">
-        <TermInfo xmlns="http://schemas.microsoft.com/office/infopath/2007/PartnerControls">
-          <TermName xmlns="http://schemas.microsoft.com/office/infopath/2007/PartnerControls">IK</TermName>
-          <TermId xmlns="http://schemas.microsoft.com/office/infopath/2007/PartnerControls">5abe6401-e87a-4499-80b4-3d21a1a6ebd7</TermId>
-        </TermInfo>
-      </Terms>
-    </BookTypeField0>
-  </documentManagement>
-</p:properties>
-</file>
-
-<file path=customXml/item3.xml><?xml version="1.0" encoding="utf-8"?>
-<?mso-contentType ?>
-<FormTemplates xmlns="http://schemas.microsoft.com/sharepoint/v3/contenttype/forms">
-  <Display>DocumentLibraryForm</Display>
-  <Edit>DocumentLibraryForm</Edit>
-  <New>DocumentLibraryForm</New>
-</FormTemplates>
-</file>
-
 <file path=customXml/itemProps1.xml><?xml version="1.0" encoding="utf-8"?>
-<ds:datastoreItem xmlns:ds="http://schemas.openxmlformats.org/officeDocument/2006/customXml" ds:itemID="{D707C3FC-5763-4595-8DB7-379671979954}">
+<ds:datastoreItem xmlns:ds="http://schemas.openxmlformats.org/officeDocument/2006/customXml" ds:itemID="{49B953F8-652C-430A-8D9D-5F0B70E6D45D}">
   <ds:schemaRefs>
-    <ds:schemaRef ds:uri="http://schemas.microsoft.com/office/2006/metadata/contentType"/>
-    <ds:schemaRef ds:uri="http://schemas.microsoft.com/office/2006/metadata/properties/metaAttributes"/>
-    <ds:schemaRef ds:uri="http://www.w3.org/2001/XMLSchema"/>
-    <ds:schemaRef ds:uri="http://schemas.microsoft.com/office/2006/metadata/properties"/>
-    <ds:schemaRef ds:uri="6794D9DE-4FDF-4DC0-8B2C-5438320C69D5"/>
-    <ds:schemaRef ds:uri="http://schemas.microsoft.com/office/2006/documentManagement/types"/>
-    <ds:schemaRef ds:uri="http://schemas.microsoft.com/office/infopath/2007/PartnerControls"/>
-    <ds:schemaRef ds:uri="http://schemas.openxmlformats.org/package/2006/metadata/core-properties"/>
-    <ds:schemaRef ds:uri="http://purl.org/dc/elements/1.1/"/>
-    <ds:schemaRef ds:uri="http://purl.org/dc/terms/"/>
-    <ds:schemaRef ds:uri="http://schemas.microsoft.com/internal/obd"/>
+    <ds:schemaRef ds:uri="http://schemas.microsoft.com/sharepoint/v3/contenttype/forms"/>
   </ds:schemaRefs>
 </ds:datastoreItem>
 </file>
@@ -46407,9 +46397,19 @@
 </file>
 
 <file path=customXml/itemProps3.xml><?xml version="1.0" encoding="utf-8"?>
-<ds:datastoreItem xmlns:ds="http://schemas.openxmlformats.org/officeDocument/2006/customXml" ds:itemID="{49B953F8-652C-430A-8D9D-5F0B70E6D45D}">
+<ds:datastoreItem xmlns:ds="http://schemas.openxmlformats.org/officeDocument/2006/customXml" ds:itemID="{D707C3FC-5763-4595-8DB7-379671979954}">
   <ds:schemaRefs>
-    <ds:schemaRef ds:uri="http://schemas.microsoft.com/sharepoint/v3/contenttype/forms"/>
+    <ds:schemaRef ds:uri="http://schemas.microsoft.com/office/2006/metadata/contentType"/>
+    <ds:schemaRef ds:uri="http://schemas.microsoft.com/office/2006/metadata/properties/metaAttributes"/>
+    <ds:schemaRef ds:uri="http://www.w3.org/2001/XMLSchema"/>
+    <ds:schemaRef ds:uri="http://schemas.microsoft.com/office/2006/metadata/properties"/>
+    <ds:schemaRef ds:uri="6794D9DE-4FDF-4DC0-8B2C-5438320C69D5"/>
+    <ds:schemaRef ds:uri="http://schemas.microsoft.com/office/2006/documentManagement/types"/>
+    <ds:schemaRef ds:uri="http://schemas.microsoft.com/office/infopath/2007/PartnerControls"/>
+    <ds:schemaRef ds:uri="http://schemas.openxmlformats.org/package/2006/metadata/core-properties"/>
+    <ds:schemaRef ds:uri="http://purl.org/dc/elements/1.1/"/>
+    <ds:schemaRef ds:uri="http://purl.org/dc/terms/"/>
+    <ds:schemaRef ds:uri="http://schemas.microsoft.com/internal/obd"/>
   </ds:schemaRefs>
 </ds:datastoreItem>
 </file>